--- a/project_report/kernel_image_processing_presentation.pptx
+++ b/project_report/kernel_image_processing_presentation.pptx
@@ -253,7 +253,7 @@
             <a:fld id="{45BF3CCC-77DD-F84F-A249-CA3C5045A043}" type="datetime1">
               <a:rPr lang="it-IT" smtClean="0"/>
               <a:pPr/>
-              <a:t>03/02/2023</a:t>
+              <a:t>07/02/2023</a:t>
             </a:fld>
             <a:endParaRPr lang="it-IT"/>
           </a:p>
@@ -421,7 +421,7 @@
             <a:fld id="{FE692227-D6DC-FD45-9507-DB2BAD58473C}" type="datetime1">
               <a:rPr lang="it-IT" smtClean="0"/>
               <a:pPr/>
-              <a:t>03/02/2023</a:t>
+              <a:t>06/02/2023</a:t>
             </a:fld>
             <a:endParaRPr lang="it-IT"/>
           </a:p>
@@ -2060,7 +2060,7 @@
             <a:fld id="{AD8BF249-6BAC-CD40-AAE9-334F110649E5}" type="datetimeFigureOut">
               <a:rPr lang="it-IT" smtClean="0"/>
               <a:pPr/>
-              <a:t>03/02/2023</a:t>
+              <a:t>06/02/2023</a:t>
             </a:fld>
             <a:endParaRPr lang="it-IT"/>
           </a:p>
@@ -2230,7 +2230,7 @@
             <a:fld id="{AD8BF249-6BAC-CD40-AAE9-334F110649E5}" type="datetimeFigureOut">
               <a:rPr lang="it-IT" smtClean="0"/>
               <a:pPr/>
-              <a:t>03/02/2023</a:t>
+              <a:t>06/02/2023</a:t>
             </a:fld>
             <a:endParaRPr lang="it-IT"/>
           </a:p>
@@ -2410,7 +2410,7 @@
             <a:fld id="{AD8BF249-6BAC-CD40-AAE9-334F110649E5}" type="datetimeFigureOut">
               <a:rPr lang="it-IT" smtClean="0"/>
               <a:pPr/>
-              <a:t>03/02/2023</a:t>
+              <a:t>06/02/2023</a:t>
             </a:fld>
             <a:endParaRPr lang="it-IT"/>
           </a:p>
@@ -2580,7 +2580,7 @@
             <a:fld id="{AD8BF249-6BAC-CD40-AAE9-334F110649E5}" type="datetimeFigureOut">
               <a:rPr lang="it-IT" smtClean="0"/>
               <a:pPr/>
-              <a:t>03/02/2023</a:t>
+              <a:t>06/02/2023</a:t>
             </a:fld>
             <a:endParaRPr lang="it-IT"/>
           </a:p>
@@ -2827,7 +2827,7 @@
             <a:fld id="{AD8BF249-6BAC-CD40-AAE9-334F110649E5}" type="datetimeFigureOut">
               <a:rPr lang="it-IT" smtClean="0"/>
               <a:pPr/>
-              <a:t>03/02/2023</a:t>
+              <a:t>06/02/2023</a:t>
             </a:fld>
             <a:endParaRPr lang="it-IT"/>
           </a:p>
@@ -3114,7 +3114,7 @@
             <a:fld id="{AD8BF249-6BAC-CD40-AAE9-334F110649E5}" type="datetimeFigureOut">
               <a:rPr lang="it-IT" smtClean="0"/>
               <a:pPr/>
-              <a:t>03/02/2023</a:t>
+              <a:t>06/02/2023</a:t>
             </a:fld>
             <a:endParaRPr lang="it-IT"/>
           </a:p>
@@ -3535,7 +3535,7 @@
             <a:fld id="{AD8BF249-6BAC-CD40-AAE9-334F110649E5}" type="datetimeFigureOut">
               <a:rPr lang="it-IT" smtClean="0"/>
               <a:pPr/>
-              <a:t>03/02/2023</a:t>
+              <a:t>06/02/2023</a:t>
             </a:fld>
             <a:endParaRPr lang="it-IT"/>
           </a:p>
@@ -3654,7 +3654,7 @@
             <a:fld id="{AD8BF249-6BAC-CD40-AAE9-334F110649E5}" type="datetimeFigureOut">
               <a:rPr lang="it-IT" smtClean="0"/>
               <a:pPr/>
-              <a:t>03/02/2023</a:t>
+              <a:t>06/02/2023</a:t>
             </a:fld>
             <a:endParaRPr lang="it-IT"/>
           </a:p>
@@ -3751,7 +3751,7 @@
             <a:fld id="{AD8BF249-6BAC-CD40-AAE9-334F110649E5}" type="datetimeFigureOut">
               <a:rPr lang="it-IT" smtClean="0"/>
               <a:pPr/>
-              <a:t>03/02/2023</a:t>
+              <a:t>06/02/2023</a:t>
             </a:fld>
             <a:endParaRPr lang="it-IT"/>
           </a:p>
@@ -4028,7 +4028,7 @@
             <a:fld id="{AD8BF249-6BAC-CD40-AAE9-334F110649E5}" type="datetimeFigureOut">
               <a:rPr lang="it-IT" smtClean="0"/>
               <a:pPr/>
-              <a:t>03/02/2023</a:t>
+              <a:t>06/02/2023</a:t>
             </a:fld>
             <a:endParaRPr lang="it-IT"/>
           </a:p>
@@ -4282,7 +4282,7 @@
             <a:fld id="{AD8BF249-6BAC-CD40-AAE9-334F110649E5}" type="datetimeFigureOut">
               <a:rPr lang="it-IT" smtClean="0"/>
               <a:pPr/>
-              <a:t>03/02/2023</a:t>
+              <a:t>06/02/2023</a:t>
             </a:fld>
             <a:endParaRPr lang="it-IT"/>
           </a:p>
@@ -4495,7 +4495,7 @@
             <a:fld id="{AD8BF249-6BAC-CD40-AAE9-334F110649E5}" type="datetimeFigureOut">
               <a:rPr lang="it-IT" smtClean="0"/>
               <a:pPr/>
-              <a:t>03/02/2023</a:t>
+              <a:t>06/02/2023</a:t>
             </a:fld>
             <a:endParaRPr lang="it-IT"/>
           </a:p>
@@ -4928,7 +4928,7 @@
         <p:spPr>
           <a:xfrm>
             <a:off x="5332767" y="2932536"/>
-            <a:ext cx="3629617" cy="646331"/>
+            <a:ext cx="3629617" cy="923330"/>
           </a:xfrm>
           <a:prstGeom prst="rect">
             <a:avLst/>
@@ -4972,7 +4972,22 @@
             </a:r>
             <a:r>
               <a:rPr lang="it-IT" dirty="0"/>
-              <a:t> CPU</a:t>
+              <a:t> CPU </a:t>
+            </a:r>
+          </a:p>
+          <a:p>
+            <a:pPr algn="r"/>
+            <a:r>
+              <a:rPr lang="it-IT" dirty="0"/>
+              <a:t>and </a:t>
+            </a:r>
+            <a:r>
+              <a:rPr lang="it-IT" dirty="0" err="1"/>
+              <a:t>parallel</a:t>
+            </a:r>
+            <a:r>
+              <a:rPr lang="it-IT" dirty="0"/>
+              <a:t> GPU </a:t>
             </a:r>
           </a:p>
         </p:txBody>
@@ -4985,8 +5000,8 @@
         </p:nvSpPr>
         <p:spPr>
           <a:xfrm>
-            <a:off x="6166853" y="6474363"/>
-            <a:ext cx="2260993" cy="307777"/>
+            <a:off x="7081066" y="6474363"/>
+            <a:ext cx="1346780" cy="307777"/>
           </a:xfrm>
           <a:prstGeom prst="rect">
             <a:avLst/>
@@ -5020,95 +5035,7 @@
                 </a:effectLst>
                 <a:latin typeface=""/>
               </a:rPr>
-              <a:t>Luogo e data </a:t>
-            </a:r>
-            <a:r>
-              <a:rPr lang="it-IT" sz="1400" dirty="0" err="1">
-                <a:ln w="18415" cmpd="sng">
-                  <a:solidFill>
-                    <a:srgbClr val="FFFFFF"/>
-                  </a:solidFill>
-                  <a:prstDash val="solid"/>
-                </a:ln>
-                <a:solidFill>
-                  <a:srgbClr val="FFFFFF"/>
-                </a:solidFill>
-                <a:effectLst>
-                  <a:outerShdw blurRad="63500" dir="3600000" algn="tl" rotWithShape="0">
-                    <a:srgbClr val="000000">
-                      <a:alpha val="70000"/>
-                    </a:srgbClr>
-                  </a:outerShdw>
-                </a:effectLst>
-                <a:latin typeface=""/>
-              </a:rPr>
-              <a:t>arial</a:t>
-            </a:r>
-            <a:r>
-              <a:rPr lang="it-IT" sz="1400" dirty="0">
-                <a:ln w="18415" cmpd="sng">
-                  <a:solidFill>
-                    <a:srgbClr val="FFFFFF"/>
-                  </a:solidFill>
-                  <a:prstDash val="solid"/>
-                </a:ln>
-                <a:solidFill>
-                  <a:srgbClr val="FFFFFF"/>
-                </a:solidFill>
-                <a:effectLst>
-                  <a:outerShdw blurRad="63500" dir="3600000" algn="tl" rotWithShape="0">
-                    <a:srgbClr val="000000">
-                      <a:alpha val="70000"/>
-                    </a:srgbClr>
-                  </a:outerShdw>
-                </a:effectLst>
-                <a:latin typeface=""/>
-              </a:rPr>
-              <a:t> </a:t>
-            </a:r>
-            <a:r>
-              <a:rPr lang="it-IT" sz="1400" dirty="0" err="1">
-                <a:ln w="18415" cmpd="sng">
-                  <a:solidFill>
-                    <a:srgbClr val="FFFFFF"/>
-                  </a:solidFill>
-                  <a:prstDash val="solid"/>
-                </a:ln>
-                <a:solidFill>
-                  <a:srgbClr val="FFFFFF"/>
-                </a:solidFill>
-                <a:effectLst>
-                  <a:outerShdw blurRad="63500" dir="3600000" algn="tl" rotWithShape="0">
-                    <a:srgbClr val="000000">
-                      <a:alpha val="70000"/>
-                    </a:srgbClr>
-                  </a:outerShdw>
-                </a:effectLst>
-                <a:latin typeface=""/>
-              </a:rPr>
-              <a:t>bold</a:t>
-            </a:r>
-            <a:r>
-              <a:rPr lang="it-IT" sz="1400" dirty="0">
-                <a:ln w="18415" cmpd="sng">
-                  <a:solidFill>
-                    <a:srgbClr val="FFFFFF"/>
-                  </a:solidFill>
-                  <a:prstDash val="solid"/>
-                </a:ln>
-                <a:solidFill>
-                  <a:srgbClr val="FFFFFF"/>
-                </a:solidFill>
-                <a:effectLst>
-                  <a:outerShdw blurRad="63500" dir="3600000" algn="tl" rotWithShape="0">
-                    <a:srgbClr val="000000">
-                      <a:alpha val="70000"/>
-                    </a:srgbClr>
-                  </a:outerShdw>
-                </a:effectLst>
-                <a:latin typeface=""/>
-              </a:rPr>
-              <a:t> 14</a:t>
+              <a:t>Francesco Villi</a:t>
             </a:r>
           </a:p>
         </p:txBody>
@@ -5432,82 +5359,6 @@
       </p:sp>
       <p:sp>
         <p:nvSpPr>
-          <p:cNvPr id="14" name="CasellaDiTesto 13"/>
-          <p:cNvSpPr txBox="1"/>
-          <p:nvPr/>
-        </p:nvSpPr>
-        <p:spPr>
-          <a:xfrm>
-            <a:off x="7082015" y="403482"/>
-            <a:ext cx="1621846" cy="492443"/>
-          </a:xfrm>
-          <a:prstGeom prst="rect">
-            <a:avLst/>
-          </a:prstGeom>
-          <a:noFill/>
-        </p:spPr>
-        <p:txBody>
-          <a:bodyPr wrap="none" rtlCol="0">
-            <a:spAutoFit/>
-          </a:bodyPr>
-          <a:lstStyle/>
-          <a:p>
-            <a:pPr algn="r"/>
-            <a:r>
-              <a:rPr lang="it-IT" sz="800" dirty="0">
-                <a:solidFill>
-                  <a:schemeClr val="bg1"/>
-                </a:solidFill>
-                <a:latin typeface="Arial"/>
-                <a:cs typeface="Arial"/>
-              </a:rPr>
-              <a:t>Luogo e data </a:t>
-            </a:r>
-            <a:r>
-              <a:rPr lang="it-IT" sz="800" dirty="0" err="1">
-                <a:solidFill>
-                  <a:schemeClr val="bg1"/>
-                </a:solidFill>
-                <a:latin typeface="Arial"/>
-                <a:cs typeface="Arial"/>
-              </a:rPr>
-              <a:t>arial</a:t>
-            </a:r>
-            <a:r>
-              <a:rPr lang="it-IT" sz="800" dirty="0">
-                <a:solidFill>
-                  <a:schemeClr val="bg1"/>
-                </a:solidFill>
-                <a:latin typeface="Arial"/>
-                <a:cs typeface="Arial"/>
-              </a:rPr>
-              <a:t> regular 8 </a:t>
-            </a:r>
-            <a:r>
-              <a:rPr lang="it-IT" sz="800" dirty="0" err="1">
-                <a:solidFill>
-                  <a:schemeClr val="bg1"/>
-                </a:solidFill>
-                <a:latin typeface="Arial"/>
-                <a:cs typeface="Arial"/>
-              </a:rPr>
-              <a:t>pt</a:t>
-            </a:r>
-            <a:endParaRPr lang="it-IT" sz="800" dirty="0">
-              <a:solidFill>
-                <a:schemeClr val="bg1"/>
-              </a:solidFill>
-              <a:latin typeface="Arial"/>
-              <a:cs typeface="Arial"/>
-            </a:endParaRPr>
-          </a:p>
-          <a:p>
-            <a:endParaRPr lang="it-IT" dirty="0"/>
-          </a:p>
-        </p:txBody>
-      </p:sp>
-      <p:sp>
-        <p:nvSpPr>
           <p:cNvPr id="4" name="CasellaDiTesto 8">
             <a:extLst>
               <a:ext uri="{FF2B5EF4-FFF2-40B4-BE49-F238E27FC236}">
@@ -5571,7 +5422,7 @@
             </a:r>
             <a:r>
               <a:rPr lang="it-IT" dirty="0"/>
-              <a:t> the pixel out of BLOCK_WIDTH to compute </a:t>
+              <a:t> the pixel out of the Block to compute </a:t>
             </a:r>
             <a:r>
               <a:rPr lang="it-IT" dirty="0" err="1"/>
@@ -5646,10 +5497,10 @@
       </p:sp>
       <p:pic>
         <p:nvPicPr>
-          <p:cNvPr id="13" name="Picture 12">
+          <p:cNvPr id="9" name="Picture 8">
             <a:extLst>
               <a:ext uri="{FF2B5EF4-FFF2-40B4-BE49-F238E27FC236}">
-                <a16:creationId xmlns:a16="http://schemas.microsoft.com/office/drawing/2014/main" id="{B0606989-77A5-6C28-0EE7-B2A6BE45F8E8}"/>
+                <a16:creationId xmlns:a16="http://schemas.microsoft.com/office/drawing/2014/main" id="{EAA916E8-FBE4-44D2-AE0E-2762E0A8E535}"/>
               </a:ext>
             </a:extLst>
           </p:cNvPr>
@@ -5666,8 +5517,8 @@
         </p:blipFill>
         <p:spPr>
           <a:xfrm>
-            <a:off x="3838759" y="1623825"/>
-            <a:ext cx="5057812" cy="4719672"/>
+            <a:off x="3824164" y="1619525"/>
+            <a:ext cx="5048287" cy="4652997"/>
           </a:xfrm>
           <a:prstGeom prst="rect">
             <a:avLst/>
@@ -5956,82 +5807,6 @@
       </p:sp>
       <p:sp>
         <p:nvSpPr>
-          <p:cNvPr id="14" name="CasellaDiTesto 13"/>
-          <p:cNvSpPr txBox="1"/>
-          <p:nvPr/>
-        </p:nvSpPr>
-        <p:spPr>
-          <a:xfrm>
-            <a:off x="7082015" y="403482"/>
-            <a:ext cx="1621846" cy="492443"/>
-          </a:xfrm>
-          <a:prstGeom prst="rect">
-            <a:avLst/>
-          </a:prstGeom>
-          <a:noFill/>
-        </p:spPr>
-        <p:txBody>
-          <a:bodyPr wrap="none" rtlCol="0">
-            <a:spAutoFit/>
-          </a:bodyPr>
-          <a:lstStyle/>
-          <a:p>
-            <a:pPr algn="r"/>
-            <a:r>
-              <a:rPr lang="it-IT" sz="800" dirty="0">
-                <a:solidFill>
-                  <a:schemeClr val="bg1"/>
-                </a:solidFill>
-                <a:latin typeface="Arial"/>
-                <a:cs typeface="Arial"/>
-              </a:rPr>
-              <a:t>Luogo e data </a:t>
-            </a:r>
-            <a:r>
-              <a:rPr lang="it-IT" sz="800" dirty="0" err="1">
-                <a:solidFill>
-                  <a:schemeClr val="bg1"/>
-                </a:solidFill>
-                <a:latin typeface="Arial"/>
-                <a:cs typeface="Arial"/>
-              </a:rPr>
-              <a:t>arial</a:t>
-            </a:r>
-            <a:r>
-              <a:rPr lang="it-IT" sz="800" dirty="0">
-                <a:solidFill>
-                  <a:schemeClr val="bg1"/>
-                </a:solidFill>
-                <a:latin typeface="Arial"/>
-                <a:cs typeface="Arial"/>
-              </a:rPr>
-              <a:t> regular 8 </a:t>
-            </a:r>
-            <a:r>
-              <a:rPr lang="it-IT" sz="800" dirty="0" err="1">
-                <a:solidFill>
-                  <a:schemeClr val="bg1"/>
-                </a:solidFill>
-                <a:latin typeface="Arial"/>
-                <a:cs typeface="Arial"/>
-              </a:rPr>
-              <a:t>pt</a:t>
-            </a:r>
-            <a:endParaRPr lang="it-IT" sz="800" dirty="0">
-              <a:solidFill>
-                <a:schemeClr val="bg1"/>
-              </a:solidFill>
-              <a:latin typeface="Arial"/>
-              <a:cs typeface="Arial"/>
-            </a:endParaRPr>
-          </a:p>
-          <a:p>
-            <a:endParaRPr lang="it-IT" dirty="0"/>
-          </a:p>
-        </p:txBody>
-      </p:sp>
-      <p:sp>
-        <p:nvSpPr>
           <p:cNvPr id="3" name="TextBox 2">
             <a:extLst>
               <a:ext uri="{FF2B5EF4-FFF2-40B4-BE49-F238E27FC236}">
@@ -6045,7 +5820,7 @@
         <p:spPr>
           <a:xfrm>
             <a:off x="3711677" y="1746592"/>
-            <a:ext cx="5432323" cy="2292935"/>
+            <a:ext cx="5432323" cy="3139321"/>
           </a:xfrm>
           <a:prstGeom prst="rect">
             <a:avLst/>
@@ -6183,26 +5958,723 @@
               <a:t>  </a:t>
             </a:r>
             <a:r>
-              <a:rPr lang="en-US" sz="1100" b="0" dirty="0">
+              <a:rPr lang="en-US" sz="1100" dirty="0">
                 <a:solidFill>
                   <a:srgbClr val="569CD6"/>
                 </a:solidFill>
-                <a:effectLst/>
+                <a:latin typeface="Consolas" panose="020B0609020204030204" pitchFamily="49" charset="0"/>
+              </a:rPr>
+              <a:t>int</a:t>
+            </a:r>
+            <a:r>
+              <a:rPr lang="en-US" sz="1100" dirty="0">
+                <a:solidFill>
+                  <a:srgbClr val="D4D4D4"/>
+                </a:solidFill>
+                <a:latin typeface="Consolas" panose="020B0609020204030204" pitchFamily="49" charset="0"/>
+              </a:rPr>
+              <a:t> </a:t>
+            </a:r>
+            <a:r>
+              <a:rPr lang="en-US" sz="1100" dirty="0">
+                <a:solidFill>
+                  <a:srgbClr val="9CDCFE"/>
+                </a:solidFill>
+                <a:latin typeface="Consolas" panose="020B0609020204030204" pitchFamily="49" charset="0"/>
+              </a:rPr>
+              <a:t>shift</a:t>
+            </a:r>
+            <a:r>
+              <a:rPr lang="en-US" sz="1100" dirty="0">
+                <a:solidFill>
+                  <a:srgbClr val="D4D4D4"/>
+                </a:solidFill>
+                <a:latin typeface="Consolas" panose="020B0609020204030204" pitchFamily="49" charset="0"/>
+              </a:rPr>
+              <a:t> = </a:t>
+            </a:r>
+            <a:r>
+              <a:rPr lang="en-US" sz="1100" dirty="0">
+                <a:solidFill>
+                  <a:srgbClr val="9CDCFE"/>
+                </a:solidFill>
+                <a:latin typeface="Consolas" panose="020B0609020204030204" pitchFamily="49" charset="0"/>
+              </a:rPr>
+              <a:t>K_SIZE</a:t>
+            </a:r>
+            <a:r>
+              <a:rPr lang="en-US" sz="1100" dirty="0">
+                <a:solidFill>
+                  <a:srgbClr val="D4D4D4"/>
+                </a:solidFill>
+                <a:latin typeface="Consolas" panose="020B0609020204030204" pitchFamily="49" charset="0"/>
+              </a:rPr>
+              <a:t> / </a:t>
+            </a:r>
+            <a:r>
+              <a:rPr lang="en-US" sz="1100" dirty="0">
+                <a:solidFill>
+                  <a:srgbClr val="B5CEA8"/>
+                </a:solidFill>
+                <a:latin typeface="Consolas" panose="020B0609020204030204" pitchFamily="49" charset="0"/>
+              </a:rPr>
+              <a:t>2</a:t>
+            </a:r>
+            <a:r>
+              <a:rPr lang="en-US" sz="1100" dirty="0">
+                <a:solidFill>
+                  <a:srgbClr val="D4D4D4"/>
+                </a:solidFill>
+                <a:latin typeface="Consolas" panose="020B0609020204030204" pitchFamily="49" charset="0"/>
+              </a:rPr>
+              <a:t>;</a:t>
+            </a:r>
+          </a:p>
+          <a:p>
+            <a:r>
+              <a:rPr lang="en-US" sz="1100" dirty="0">
+                <a:solidFill>
+                  <a:srgbClr val="D4D4D4"/>
+                </a:solidFill>
+                <a:latin typeface="Consolas" panose="020B0609020204030204" pitchFamily="49" charset="0"/>
+              </a:rPr>
+              <a:t>  </a:t>
+            </a:r>
+            <a:r>
+              <a:rPr lang="en-US" sz="1100" dirty="0">
+                <a:solidFill>
+                  <a:srgbClr val="569CD6"/>
+                </a:solidFill>
+                <a:latin typeface="Consolas" panose="020B0609020204030204" pitchFamily="49" charset="0"/>
+              </a:rPr>
+              <a:t>int</a:t>
+            </a:r>
+            <a:r>
+              <a:rPr lang="en-US" sz="1100" dirty="0">
+                <a:solidFill>
+                  <a:srgbClr val="D4D4D4"/>
+                </a:solidFill>
+                <a:latin typeface="Consolas" panose="020B0609020204030204" pitchFamily="49" charset="0"/>
+              </a:rPr>
+              <a:t> </a:t>
+            </a:r>
+            <a:r>
+              <a:rPr lang="en-US" sz="1100" dirty="0">
+                <a:solidFill>
+                  <a:srgbClr val="9CDCFE"/>
+                </a:solidFill>
+                <a:latin typeface="Consolas" panose="020B0609020204030204" pitchFamily="49" charset="0"/>
+              </a:rPr>
+              <a:t>col</a:t>
+            </a:r>
+            <a:r>
+              <a:rPr lang="en-US" sz="1100" dirty="0">
+                <a:solidFill>
+                  <a:srgbClr val="D4D4D4"/>
+                </a:solidFill>
+                <a:latin typeface="Consolas" panose="020B0609020204030204" pitchFamily="49" charset="0"/>
+              </a:rPr>
+              <a:t> = </a:t>
+            </a:r>
+            <a:r>
+              <a:rPr lang="en-US" sz="1100" dirty="0" err="1">
+                <a:solidFill>
+                  <a:srgbClr val="9CDCFE"/>
+                </a:solidFill>
+                <a:latin typeface="Consolas" panose="020B0609020204030204" pitchFamily="49" charset="0"/>
+              </a:rPr>
+              <a:t>threadIdx</a:t>
+            </a:r>
+            <a:r>
+              <a:rPr lang="en-US" sz="1100" dirty="0" err="1">
+                <a:solidFill>
+                  <a:srgbClr val="D4D4D4"/>
+                </a:solidFill>
+                <a:latin typeface="Consolas" panose="020B0609020204030204" pitchFamily="49" charset="0"/>
+              </a:rPr>
+              <a:t>.</a:t>
+            </a:r>
+            <a:r>
+              <a:rPr lang="en-US" sz="1100" dirty="0" err="1">
+                <a:solidFill>
+                  <a:srgbClr val="9CDCFE"/>
+                </a:solidFill>
+                <a:latin typeface="Consolas" panose="020B0609020204030204" pitchFamily="49" charset="0"/>
+              </a:rPr>
+              <a:t>x</a:t>
+            </a:r>
+            <a:r>
+              <a:rPr lang="en-US" sz="1100" dirty="0">
+                <a:solidFill>
+                  <a:srgbClr val="D4D4D4"/>
+                </a:solidFill>
+                <a:latin typeface="Consolas" panose="020B0609020204030204" pitchFamily="49" charset="0"/>
+              </a:rPr>
+              <a:t> + </a:t>
+            </a:r>
+            <a:r>
+              <a:rPr lang="en-US" sz="1100" dirty="0" err="1">
+                <a:solidFill>
+                  <a:srgbClr val="9CDCFE"/>
+                </a:solidFill>
+                <a:latin typeface="Consolas" panose="020B0609020204030204" pitchFamily="49" charset="0"/>
+              </a:rPr>
+              <a:t>blockIdx</a:t>
+            </a:r>
+            <a:r>
+              <a:rPr lang="en-US" sz="1100" dirty="0" err="1">
+                <a:solidFill>
+                  <a:srgbClr val="D4D4D4"/>
+                </a:solidFill>
+                <a:latin typeface="Consolas" panose="020B0609020204030204" pitchFamily="49" charset="0"/>
+              </a:rPr>
+              <a:t>.</a:t>
+            </a:r>
+            <a:r>
+              <a:rPr lang="en-US" sz="1100" dirty="0" err="1">
+                <a:solidFill>
+                  <a:srgbClr val="9CDCFE"/>
+                </a:solidFill>
+                <a:latin typeface="Consolas" panose="020B0609020204030204" pitchFamily="49" charset="0"/>
+              </a:rPr>
+              <a:t>x</a:t>
+            </a:r>
+            <a:r>
+              <a:rPr lang="en-US" sz="1100" dirty="0">
+                <a:solidFill>
+                  <a:srgbClr val="D4D4D4"/>
+                </a:solidFill>
+                <a:latin typeface="Consolas" panose="020B0609020204030204" pitchFamily="49" charset="0"/>
+              </a:rPr>
+              <a:t> * </a:t>
+            </a:r>
+            <a:r>
+              <a:rPr lang="en-US" sz="1100" dirty="0" err="1">
+                <a:solidFill>
+                  <a:srgbClr val="9CDCFE"/>
+                </a:solidFill>
+                <a:latin typeface="Consolas" panose="020B0609020204030204" pitchFamily="49" charset="0"/>
+              </a:rPr>
+              <a:t>blockDim</a:t>
+            </a:r>
+            <a:r>
+              <a:rPr lang="en-US" sz="1100" dirty="0" err="1">
+                <a:solidFill>
+                  <a:srgbClr val="D4D4D4"/>
+                </a:solidFill>
+                <a:latin typeface="Consolas" panose="020B0609020204030204" pitchFamily="49" charset="0"/>
+              </a:rPr>
+              <a:t>.</a:t>
+            </a:r>
+            <a:r>
+              <a:rPr lang="en-US" sz="1100" dirty="0" err="1">
+                <a:solidFill>
+                  <a:srgbClr val="9CDCFE"/>
+                </a:solidFill>
+                <a:latin typeface="Consolas" panose="020B0609020204030204" pitchFamily="49" charset="0"/>
+              </a:rPr>
+              <a:t>x</a:t>
+            </a:r>
+            <a:r>
+              <a:rPr lang="en-US" sz="1100" dirty="0">
+                <a:solidFill>
+                  <a:srgbClr val="D4D4D4"/>
+                </a:solidFill>
+                <a:latin typeface="Consolas" panose="020B0609020204030204" pitchFamily="49" charset="0"/>
+              </a:rPr>
+              <a:t>;</a:t>
+            </a:r>
+          </a:p>
+          <a:p>
+            <a:r>
+              <a:rPr lang="en-US" sz="1100" dirty="0">
+                <a:solidFill>
+                  <a:srgbClr val="D4D4D4"/>
+                </a:solidFill>
+                <a:latin typeface="Consolas" panose="020B0609020204030204" pitchFamily="49" charset="0"/>
+              </a:rPr>
+              <a:t>  </a:t>
+            </a:r>
+            <a:r>
+              <a:rPr lang="en-US" sz="1100" dirty="0">
+                <a:solidFill>
+                  <a:srgbClr val="569CD6"/>
+                </a:solidFill>
+                <a:latin typeface="Consolas" panose="020B0609020204030204" pitchFamily="49" charset="0"/>
+              </a:rPr>
+              <a:t>int</a:t>
+            </a:r>
+            <a:r>
+              <a:rPr lang="en-US" sz="1100" dirty="0">
+                <a:solidFill>
+                  <a:srgbClr val="D4D4D4"/>
+                </a:solidFill>
+                <a:latin typeface="Consolas" panose="020B0609020204030204" pitchFamily="49" charset="0"/>
+              </a:rPr>
+              <a:t> </a:t>
+            </a:r>
+            <a:r>
+              <a:rPr lang="en-US" sz="1100" dirty="0">
+                <a:solidFill>
+                  <a:srgbClr val="9CDCFE"/>
+                </a:solidFill>
+                <a:latin typeface="Consolas" panose="020B0609020204030204" pitchFamily="49" charset="0"/>
+              </a:rPr>
+              <a:t>row</a:t>
+            </a:r>
+            <a:r>
+              <a:rPr lang="en-US" sz="1100" dirty="0">
+                <a:solidFill>
+                  <a:srgbClr val="D4D4D4"/>
+                </a:solidFill>
+                <a:latin typeface="Consolas" panose="020B0609020204030204" pitchFamily="49" charset="0"/>
+              </a:rPr>
+              <a:t> = </a:t>
+            </a:r>
+            <a:r>
+              <a:rPr lang="en-US" sz="1100" dirty="0" err="1">
+                <a:solidFill>
+                  <a:srgbClr val="9CDCFE"/>
+                </a:solidFill>
+                <a:latin typeface="Consolas" panose="020B0609020204030204" pitchFamily="49" charset="0"/>
+              </a:rPr>
+              <a:t>threadIdx</a:t>
+            </a:r>
+            <a:r>
+              <a:rPr lang="en-US" sz="1100" dirty="0" err="1">
+                <a:solidFill>
+                  <a:srgbClr val="D4D4D4"/>
+                </a:solidFill>
+                <a:latin typeface="Consolas" panose="020B0609020204030204" pitchFamily="49" charset="0"/>
+              </a:rPr>
+              <a:t>.</a:t>
+            </a:r>
+            <a:r>
+              <a:rPr lang="en-US" sz="1100" dirty="0" err="1">
+                <a:solidFill>
+                  <a:srgbClr val="9CDCFE"/>
+                </a:solidFill>
+                <a:latin typeface="Consolas" panose="020B0609020204030204" pitchFamily="49" charset="0"/>
+              </a:rPr>
+              <a:t>y</a:t>
+            </a:r>
+            <a:r>
+              <a:rPr lang="en-US" sz="1100" dirty="0">
+                <a:solidFill>
+                  <a:srgbClr val="D4D4D4"/>
+                </a:solidFill>
+                <a:latin typeface="Consolas" panose="020B0609020204030204" pitchFamily="49" charset="0"/>
+              </a:rPr>
+              <a:t> + </a:t>
+            </a:r>
+            <a:r>
+              <a:rPr lang="en-US" sz="1100" dirty="0" err="1">
+                <a:solidFill>
+                  <a:srgbClr val="9CDCFE"/>
+                </a:solidFill>
+                <a:latin typeface="Consolas" panose="020B0609020204030204" pitchFamily="49" charset="0"/>
+              </a:rPr>
+              <a:t>blockIdx</a:t>
+            </a:r>
+            <a:r>
+              <a:rPr lang="en-US" sz="1100" dirty="0" err="1">
+                <a:solidFill>
+                  <a:srgbClr val="D4D4D4"/>
+                </a:solidFill>
+                <a:latin typeface="Consolas" panose="020B0609020204030204" pitchFamily="49" charset="0"/>
+              </a:rPr>
+              <a:t>.</a:t>
+            </a:r>
+            <a:r>
+              <a:rPr lang="en-US" sz="1100" dirty="0" err="1">
+                <a:solidFill>
+                  <a:srgbClr val="9CDCFE"/>
+                </a:solidFill>
+                <a:latin typeface="Consolas" panose="020B0609020204030204" pitchFamily="49" charset="0"/>
+              </a:rPr>
+              <a:t>y</a:t>
+            </a:r>
+            <a:r>
+              <a:rPr lang="en-US" sz="1100" dirty="0">
+                <a:solidFill>
+                  <a:srgbClr val="D4D4D4"/>
+                </a:solidFill>
+                <a:latin typeface="Consolas" panose="020B0609020204030204" pitchFamily="49" charset="0"/>
+              </a:rPr>
+              <a:t> * </a:t>
+            </a:r>
+            <a:r>
+              <a:rPr lang="en-US" sz="1100" dirty="0" err="1">
+                <a:solidFill>
+                  <a:srgbClr val="9CDCFE"/>
+                </a:solidFill>
+                <a:latin typeface="Consolas" panose="020B0609020204030204" pitchFamily="49" charset="0"/>
+              </a:rPr>
+              <a:t>blockDim</a:t>
+            </a:r>
+            <a:r>
+              <a:rPr lang="en-US" sz="1100" dirty="0" err="1">
+                <a:solidFill>
+                  <a:srgbClr val="D4D4D4"/>
+                </a:solidFill>
+                <a:latin typeface="Consolas" panose="020B0609020204030204" pitchFamily="49" charset="0"/>
+              </a:rPr>
+              <a:t>.</a:t>
+            </a:r>
+            <a:r>
+              <a:rPr lang="en-US" sz="1100" dirty="0" err="1">
+                <a:solidFill>
+                  <a:srgbClr val="9CDCFE"/>
+                </a:solidFill>
+                <a:latin typeface="Consolas" panose="020B0609020204030204" pitchFamily="49" charset="0"/>
+              </a:rPr>
+              <a:t>y</a:t>
+            </a:r>
+            <a:r>
+              <a:rPr lang="en-US" sz="1100" dirty="0">
+                <a:solidFill>
+                  <a:srgbClr val="D4D4D4"/>
+                </a:solidFill>
+                <a:latin typeface="Consolas" panose="020B0609020204030204" pitchFamily="49" charset="0"/>
+              </a:rPr>
+              <a:t>;</a:t>
+            </a:r>
+          </a:p>
+          <a:p>
+            <a:r>
+              <a:rPr lang="en-US" sz="1100" dirty="0">
+                <a:solidFill>
+                  <a:srgbClr val="D4D4D4"/>
+                </a:solidFill>
+                <a:latin typeface="Consolas" panose="020B0609020204030204" pitchFamily="49" charset="0"/>
+              </a:rPr>
+              <a:t>  </a:t>
+            </a:r>
+            <a:r>
+              <a:rPr lang="en-US" sz="1100" dirty="0">
+                <a:solidFill>
+                  <a:srgbClr val="569CD6"/>
+                </a:solidFill>
+                <a:latin typeface="Consolas" panose="020B0609020204030204" pitchFamily="49" charset="0"/>
+              </a:rPr>
+              <a:t>int</a:t>
+            </a:r>
+            <a:r>
+              <a:rPr lang="en-US" sz="1100" dirty="0">
+                <a:solidFill>
+                  <a:srgbClr val="D4D4D4"/>
+                </a:solidFill>
+                <a:latin typeface="Consolas" panose="020B0609020204030204" pitchFamily="49" charset="0"/>
+              </a:rPr>
+              <a:t> </a:t>
+            </a:r>
+            <a:r>
+              <a:rPr lang="en-US" sz="1100" dirty="0">
+                <a:solidFill>
+                  <a:srgbClr val="9CDCFE"/>
+                </a:solidFill>
+                <a:latin typeface="Consolas" panose="020B0609020204030204" pitchFamily="49" charset="0"/>
+              </a:rPr>
+              <a:t>c</a:t>
+            </a:r>
+            <a:r>
+              <a:rPr lang="en-US" sz="1100" dirty="0">
+                <a:solidFill>
+                  <a:srgbClr val="D4D4D4"/>
+                </a:solidFill>
+                <a:latin typeface="Consolas" panose="020B0609020204030204" pitchFamily="49" charset="0"/>
+              </a:rPr>
+              <a:t> = </a:t>
+            </a:r>
+            <a:r>
+              <a:rPr lang="en-US" sz="1100" dirty="0" err="1">
+                <a:solidFill>
+                  <a:srgbClr val="9CDCFE"/>
+                </a:solidFill>
+                <a:latin typeface="Consolas" panose="020B0609020204030204" pitchFamily="49" charset="0"/>
+              </a:rPr>
+              <a:t>threadIdx</a:t>
+            </a:r>
+            <a:r>
+              <a:rPr lang="en-US" sz="1100" dirty="0" err="1">
+                <a:solidFill>
+                  <a:srgbClr val="D4D4D4"/>
+                </a:solidFill>
+                <a:latin typeface="Consolas" panose="020B0609020204030204" pitchFamily="49" charset="0"/>
+              </a:rPr>
+              <a:t>.</a:t>
+            </a:r>
+            <a:r>
+              <a:rPr lang="en-US" sz="1100" dirty="0" err="1">
+                <a:solidFill>
+                  <a:srgbClr val="9CDCFE"/>
+                </a:solidFill>
+                <a:latin typeface="Consolas" panose="020B0609020204030204" pitchFamily="49" charset="0"/>
+              </a:rPr>
+              <a:t>x</a:t>
+            </a:r>
+            <a:r>
+              <a:rPr lang="en-US" sz="1100" dirty="0">
+                <a:solidFill>
+                  <a:srgbClr val="D4D4D4"/>
+                </a:solidFill>
+                <a:latin typeface="Consolas" panose="020B0609020204030204" pitchFamily="49" charset="0"/>
+              </a:rPr>
+              <a:t>;</a:t>
+            </a:r>
+          </a:p>
+          <a:p>
+            <a:r>
+              <a:rPr lang="en-US" sz="1100" dirty="0">
+                <a:solidFill>
+                  <a:srgbClr val="D4D4D4"/>
+                </a:solidFill>
+                <a:latin typeface="Consolas" panose="020B0609020204030204" pitchFamily="49" charset="0"/>
+              </a:rPr>
+              <a:t>  </a:t>
+            </a:r>
+            <a:r>
+              <a:rPr lang="en-US" sz="1100" dirty="0">
+                <a:solidFill>
+                  <a:srgbClr val="569CD6"/>
+                </a:solidFill>
+                <a:latin typeface="Consolas" panose="020B0609020204030204" pitchFamily="49" charset="0"/>
+              </a:rPr>
+              <a:t>int</a:t>
+            </a:r>
+            <a:r>
+              <a:rPr lang="en-US" sz="1100" dirty="0">
+                <a:solidFill>
+                  <a:srgbClr val="D4D4D4"/>
+                </a:solidFill>
+                <a:latin typeface="Consolas" panose="020B0609020204030204" pitchFamily="49" charset="0"/>
+              </a:rPr>
+              <a:t> </a:t>
+            </a:r>
+            <a:r>
+              <a:rPr lang="en-US" sz="1100" dirty="0">
+                <a:solidFill>
+                  <a:srgbClr val="9CDCFE"/>
+                </a:solidFill>
+                <a:latin typeface="Consolas" panose="020B0609020204030204" pitchFamily="49" charset="0"/>
+              </a:rPr>
+              <a:t>r</a:t>
+            </a:r>
+            <a:r>
+              <a:rPr lang="en-US" sz="1100" dirty="0">
+                <a:solidFill>
+                  <a:srgbClr val="D4D4D4"/>
+                </a:solidFill>
+                <a:latin typeface="Consolas" panose="020B0609020204030204" pitchFamily="49" charset="0"/>
+              </a:rPr>
+              <a:t> = </a:t>
+            </a:r>
+            <a:r>
+              <a:rPr lang="en-US" sz="1100" dirty="0" err="1">
+                <a:solidFill>
+                  <a:srgbClr val="9CDCFE"/>
+                </a:solidFill>
+                <a:latin typeface="Consolas" panose="020B0609020204030204" pitchFamily="49" charset="0"/>
+              </a:rPr>
+              <a:t>threadIdx</a:t>
+            </a:r>
+            <a:r>
+              <a:rPr lang="en-US" sz="1100" dirty="0" err="1">
+                <a:solidFill>
+                  <a:srgbClr val="D4D4D4"/>
+                </a:solidFill>
+                <a:latin typeface="Consolas" panose="020B0609020204030204" pitchFamily="49" charset="0"/>
+              </a:rPr>
+              <a:t>.</a:t>
+            </a:r>
+            <a:r>
+              <a:rPr lang="en-US" sz="1100" dirty="0" err="1">
+                <a:solidFill>
+                  <a:srgbClr val="9CDCFE"/>
+                </a:solidFill>
+                <a:latin typeface="Consolas" panose="020B0609020204030204" pitchFamily="49" charset="0"/>
+              </a:rPr>
+              <a:t>y</a:t>
+            </a:r>
+            <a:r>
+              <a:rPr lang="en-US" sz="1100" dirty="0">
+                <a:solidFill>
+                  <a:srgbClr val="D4D4D4"/>
+                </a:solidFill>
+                <a:latin typeface="Consolas" panose="020B0609020204030204" pitchFamily="49" charset="0"/>
+              </a:rPr>
+              <a:t>;</a:t>
+            </a:r>
+          </a:p>
+          <a:p>
+            <a:r>
+              <a:rPr lang="en-US" sz="1100" dirty="0">
+                <a:solidFill>
+                  <a:srgbClr val="D4D4D4"/>
+                </a:solidFill>
+                <a:latin typeface="Consolas" panose="020B0609020204030204" pitchFamily="49" charset="0"/>
+              </a:rPr>
+              <a:t>  </a:t>
+            </a:r>
+            <a:r>
+              <a:rPr lang="en-US" sz="1100" dirty="0">
+                <a:solidFill>
+                  <a:srgbClr val="569CD6"/>
+                </a:solidFill>
                 <a:latin typeface="Consolas" panose="020B0609020204030204" pitchFamily="49" charset="0"/>
               </a:rPr>
               <a:t>bool</a:t>
             </a:r>
             <a:r>
-              <a:rPr lang="en-US" sz="1100" b="0" dirty="0">
-                <a:solidFill>
-                  <a:srgbClr val="D4D4D4"/>
-                </a:solidFill>
-                <a:effectLst/>
+              <a:rPr lang="en-US" sz="1100" dirty="0">
+                <a:solidFill>
+                  <a:srgbClr val="D4D4D4"/>
+                </a:solidFill>
                 <a:latin typeface="Consolas" panose="020B0609020204030204" pitchFamily="49" charset="0"/>
               </a:rPr>
               <a:t> </a:t>
             </a:r>
             <a:r>
+              <a:rPr lang="en-US" sz="1100" dirty="0" err="1">
+                <a:solidFill>
+                  <a:srgbClr val="9CDCFE"/>
+                </a:solidFill>
+                <a:latin typeface="Consolas" panose="020B0609020204030204" pitchFamily="49" charset="0"/>
+              </a:rPr>
+              <a:t>row_above</a:t>
+            </a:r>
+            <a:r>
+              <a:rPr lang="en-US" sz="1100" dirty="0">
+                <a:solidFill>
+                  <a:srgbClr val="D4D4D4"/>
+                </a:solidFill>
+                <a:latin typeface="Consolas" panose="020B0609020204030204" pitchFamily="49" charset="0"/>
+              </a:rPr>
+              <a:t> = (</a:t>
+            </a:r>
+            <a:r>
+              <a:rPr lang="en-US" sz="1100" dirty="0">
+                <a:solidFill>
+                  <a:srgbClr val="9CDCFE"/>
+                </a:solidFill>
+                <a:latin typeface="Consolas" panose="020B0609020204030204" pitchFamily="49" charset="0"/>
+              </a:rPr>
+              <a:t>row</a:t>
+            </a:r>
+            <a:r>
+              <a:rPr lang="en-US" sz="1100" dirty="0">
+                <a:solidFill>
+                  <a:srgbClr val="D4D4D4"/>
+                </a:solidFill>
+                <a:latin typeface="Consolas" panose="020B0609020204030204" pitchFamily="49" charset="0"/>
+              </a:rPr>
+              <a:t> - </a:t>
+            </a:r>
+            <a:r>
+              <a:rPr lang="en-US" sz="1100" dirty="0">
+                <a:solidFill>
+                  <a:srgbClr val="9CDCFE"/>
+                </a:solidFill>
+                <a:latin typeface="Consolas" panose="020B0609020204030204" pitchFamily="49" charset="0"/>
+              </a:rPr>
+              <a:t>shift</a:t>
+            </a:r>
+            <a:r>
+              <a:rPr lang="en-US" sz="1100" dirty="0">
+                <a:solidFill>
+                  <a:srgbClr val="D4D4D4"/>
+                </a:solidFill>
+                <a:latin typeface="Consolas" panose="020B0609020204030204" pitchFamily="49" charset="0"/>
+              </a:rPr>
+              <a:t> &gt;= </a:t>
+            </a:r>
+            <a:r>
+              <a:rPr lang="en-US" sz="1100" dirty="0">
+                <a:solidFill>
+                  <a:srgbClr val="B5CEA8"/>
+                </a:solidFill>
+                <a:latin typeface="Consolas" panose="020B0609020204030204" pitchFamily="49" charset="0"/>
+              </a:rPr>
+              <a:t>0</a:t>
+            </a:r>
+            <a:r>
+              <a:rPr lang="en-US" sz="1100" dirty="0">
+                <a:solidFill>
+                  <a:srgbClr val="D4D4D4"/>
+                </a:solidFill>
+                <a:latin typeface="Consolas" panose="020B0609020204030204" pitchFamily="49" charset="0"/>
+              </a:rPr>
+              <a:t> &amp;&amp; </a:t>
+            </a:r>
+            <a:r>
+              <a:rPr lang="en-US" sz="1100" dirty="0">
+                <a:solidFill>
+                  <a:srgbClr val="9CDCFE"/>
+                </a:solidFill>
+                <a:latin typeface="Consolas" panose="020B0609020204030204" pitchFamily="49" charset="0"/>
+              </a:rPr>
+              <a:t>r</a:t>
+            </a:r>
+            <a:r>
+              <a:rPr lang="en-US" sz="1100" dirty="0">
+                <a:solidFill>
+                  <a:srgbClr val="D4D4D4"/>
+                </a:solidFill>
+                <a:latin typeface="Consolas" panose="020B0609020204030204" pitchFamily="49" charset="0"/>
+              </a:rPr>
+              <a:t> &lt; </a:t>
+            </a:r>
+            <a:r>
+              <a:rPr lang="en-US" sz="1100" dirty="0">
+                <a:solidFill>
+                  <a:srgbClr val="9CDCFE"/>
+                </a:solidFill>
+                <a:latin typeface="Consolas" panose="020B0609020204030204" pitchFamily="49" charset="0"/>
+              </a:rPr>
+              <a:t>shift</a:t>
+            </a:r>
+            <a:r>
+              <a:rPr lang="en-US" sz="1100" dirty="0">
+                <a:solidFill>
+                  <a:srgbClr val="D4D4D4"/>
+                </a:solidFill>
+                <a:latin typeface="Consolas" panose="020B0609020204030204" pitchFamily="49" charset="0"/>
+              </a:rPr>
+              <a:t>);</a:t>
+            </a:r>
+          </a:p>
+          <a:p>
+            <a:r>
+              <a:rPr lang="en-US" sz="1100" b="0" dirty="0">
+                <a:solidFill>
+                  <a:srgbClr val="D4D4D4"/>
+                </a:solidFill>
+                <a:effectLst/>
+                <a:latin typeface="Consolas" panose="020B0609020204030204" pitchFamily="49" charset="0"/>
+              </a:rPr>
+              <a:t>  </a:t>
+            </a:r>
+            <a:r>
+              <a:rPr lang="en-US" sz="1100" b="0" dirty="0">
+                <a:solidFill>
+                  <a:srgbClr val="569CD6"/>
+                </a:solidFill>
+                <a:effectLst/>
+                <a:latin typeface="Consolas" panose="020B0609020204030204" pitchFamily="49" charset="0"/>
+              </a:rPr>
+              <a:t>bool</a:t>
+            </a:r>
+            <a:r>
+              <a:rPr lang="en-US" sz="1100" b="0" dirty="0">
+                <a:solidFill>
+                  <a:srgbClr val="D4D4D4"/>
+                </a:solidFill>
+                <a:effectLst/>
+                <a:latin typeface="Consolas" panose="020B0609020204030204" pitchFamily="49" charset="0"/>
+              </a:rPr>
+              <a:t> </a:t>
+            </a:r>
+            <a:r>
               <a:rPr lang="en-US" sz="1100" b="0" dirty="0" err="1">
                 <a:solidFill>
                   <a:srgbClr val="9CDCFE"/>
@@ -6210,7 +6682,7 @@
                 <a:effectLst/>
                 <a:latin typeface="Consolas" panose="020B0609020204030204" pitchFamily="49" charset="0"/>
               </a:rPr>
-              <a:t>row_above</a:t>
+              <a:t>row_below</a:t>
             </a:r>
             <a:r>
               <a:rPr lang="en-US" sz="1100" b="0" dirty="0">
@@ -6230,6 +6702,66 @@
                 <a:effectLst/>
                 <a:latin typeface="Consolas" panose="020B0609020204030204" pitchFamily="49" charset="0"/>
               </a:rPr>
+              <a:t>r</a:t>
+            </a:r>
+            <a:r>
+              <a:rPr lang="en-US" sz="1100" b="0" dirty="0">
+                <a:solidFill>
+                  <a:srgbClr val="D4D4D4"/>
+                </a:solidFill>
+                <a:effectLst/>
+                <a:latin typeface="Consolas" panose="020B0609020204030204" pitchFamily="49" charset="0"/>
+              </a:rPr>
+              <a:t> &gt;= </a:t>
+            </a:r>
+            <a:r>
+              <a:rPr lang="en-US" sz="1100" b="0" dirty="0">
+                <a:solidFill>
+                  <a:srgbClr val="569CD6"/>
+                </a:solidFill>
+                <a:effectLst/>
+                <a:latin typeface="Consolas" panose="020B0609020204030204" pitchFamily="49" charset="0"/>
+              </a:rPr>
+              <a:t>BLOCK_HEIGHT</a:t>
+            </a:r>
+            <a:r>
+              <a:rPr lang="en-US" sz="1100" b="0" dirty="0">
+                <a:solidFill>
+                  <a:srgbClr val="D4D4D4"/>
+                </a:solidFill>
+                <a:effectLst/>
+                <a:latin typeface="Consolas" panose="020B0609020204030204" pitchFamily="49" charset="0"/>
+              </a:rPr>
+              <a:t> - </a:t>
+            </a:r>
+            <a:r>
+              <a:rPr lang="en-US" sz="1100" b="0" dirty="0">
+                <a:solidFill>
+                  <a:srgbClr val="9CDCFE"/>
+                </a:solidFill>
+                <a:effectLst/>
+                <a:latin typeface="Consolas" panose="020B0609020204030204" pitchFamily="49" charset="0"/>
+              </a:rPr>
+              <a:t>shift</a:t>
+            </a:r>
+            <a:r>
+              <a:rPr lang="en-US" sz="1100" b="0" dirty="0">
+                <a:solidFill>
+                  <a:srgbClr val="D4D4D4"/>
+                </a:solidFill>
+                <a:effectLst/>
+                <a:latin typeface="Consolas" panose="020B0609020204030204" pitchFamily="49" charset="0"/>
+              </a:rPr>
+              <a:t> &amp;&amp; (</a:t>
+            </a:r>
+            <a:r>
+              <a:rPr lang="en-US" sz="1100" b="0" dirty="0">
+                <a:solidFill>
+                  <a:srgbClr val="9CDCFE"/>
+                </a:solidFill>
+                <a:effectLst/>
+                <a:latin typeface="Consolas" panose="020B0609020204030204" pitchFamily="49" charset="0"/>
+              </a:rPr>
               <a:t>row</a:t>
             </a:r>
             <a:r>
@@ -6240,328 +6772,181 @@
                 <a:effectLst/>
                 <a:latin typeface="Consolas" panose="020B0609020204030204" pitchFamily="49" charset="0"/>
               </a:rPr>
+              <a:t> + </a:t>
+            </a:r>
+            <a:r>
+              <a:rPr lang="en-US" sz="1100" b="0" dirty="0">
+                <a:solidFill>
+                  <a:srgbClr val="9CDCFE"/>
+                </a:solidFill>
+                <a:effectLst/>
+                <a:latin typeface="Consolas" panose="020B0609020204030204" pitchFamily="49" charset="0"/>
+              </a:rPr>
+              <a:t>shift</a:t>
+            </a:r>
+            <a:r>
+              <a:rPr lang="en-US" sz="1100" b="0" dirty="0">
+                <a:solidFill>
+                  <a:srgbClr val="D4D4D4"/>
+                </a:solidFill>
+                <a:effectLst/>
+                <a:latin typeface="Consolas" panose="020B0609020204030204" pitchFamily="49" charset="0"/>
+              </a:rPr>
+              <a:t>) &lt; 	</a:t>
+            </a:r>
+            <a:r>
+              <a:rPr lang="en-US" sz="1100" b="0" dirty="0">
+                <a:solidFill>
+                  <a:srgbClr val="9CDCFE"/>
+                </a:solidFill>
+                <a:effectLst/>
+                <a:latin typeface="Consolas" panose="020B0609020204030204" pitchFamily="49" charset="0"/>
+              </a:rPr>
+              <a:t>HEIGHT</a:t>
+            </a:r>
+            <a:r>
+              <a:rPr lang="en-US" sz="1100" b="0" dirty="0">
+                <a:solidFill>
+                  <a:srgbClr val="D4D4D4"/>
+                </a:solidFill>
+                <a:effectLst/>
+                <a:latin typeface="Consolas" panose="020B0609020204030204" pitchFamily="49" charset="0"/>
+              </a:rPr>
+              <a:t>);</a:t>
+            </a:r>
+          </a:p>
+          <a:p>
+            <a:r>
+              <a:rPr lang="en-US" sz="1100" dirty="0">
+                <a:solidFill>
+                  <a:srgbClr val="D4D4D4"/>
+                </a:solidFill>
+                <a:latin typeface="Consolas" panose="020B0609020204030204" pitchFamily="49" charset="0"/>
+              </a:rPr>
+              <a:t>  </a:t>
+            </a:r>
+            <a:r>
+              <a:rPr lang="en-US" sz="1100" dirty="0">
+                <a:solidFill>
+                  <a:srgbClr val="569CD6"/>
+                </a:solidFill>
+                <a:latin typeface="Consolas" panose="020B0609020204030204" pitchFamily="49" charset="0"/>
+              </a:rPr>
+              <a:t>bool</a:t>
+            </a:r>
+            <a:r>
+              <a:rPr lang="en-US" sz="1100" dirty="0">
+                <a:solidFill>
+                  <a:srgbClr val="D4D4D4"/>
+                </a:solidFill>
+                <a:latin typeface="Consolas" panose="020B0609020204030204" pitchFamily="49" charset="0"/>
+              </a:rPr>
+              <a:t> </a:t>
+            </a:r>
+            <a:r>
+              <a:rPr lang="en-US" sz="1100" dirty="0" err="1">
+                <a:solidFill>
+                  <a:srgbClr val="9CDCFE"/>
+                </a:solidFill>
+                <a:latin typeface="Consolas" panose="020B0609020204030204" pitchFamily="49" charset="0"/>
+              </a:rPr>
+              <a:t>col_left</a:t>
+            </a:r>
+            <a:r>
+              <a:rPr lang="en-US" sz="1100" dirty="0">
+                <a:solidFill>
+                  <a:srgbClr val="D4D4D4"/>
+                </a:solidFill>
+                <a:latin typeface="Consolas" panose="020B0609020204030204" pitchFamily="49" charset="0"/>
+              </a:rPr>
+              <a:t> = (</a:t>
+            </a:r>
+            <a:r>
+              <a:rPr lang="en-US" sz="1100" dirty="0">
+                <a:solidFill>
+                  <a:srgbClr val="9CDCFE"/>
+                </a:solidFill>
+                <a:latin typeface="Consolas" panose="020B0609020204030204" pitchFamily="49" charset="0"/>
+              </a:rPr>
+              <a:t>col</a:t>
+            </a:r>
+            <a:r>
+              <a:rPr lang="en-US" sz="1100" dirty="0">
+                <a:solidFill>
+                  <a:srgbClr val="D4D4D4"/>
+                </a:solidFill>
+                <a:latin typeface="Consolas" panose="020B0609020204030204" pitchFamily="49" charset="0"/>
+              </a:rPr>
               <a:t> - </a:t>
             </a:r>
             <a:r>
-              <a:rPr lang="en-US" sz="1100" b="0" dirty="0">
-                <a:solidFill>
-                  <a:srgbClr val="9CDCFE"/>
-                </a:solidFill>
-                <a:effectLst/>
+              <a:rPr lang="en-US" sz="1100" dirty="0">
+                <a:solidFill>
+                  <a:srgbClr val="9CDCFE"/>
+                </a:solidFill>
                 <a:latin typeface="Consolas" panose="020B0609020204030204" pitchFamily="49" charset="0"/>
               </a:rPr>
               <a:t>shift</a:t>
             </a:r>
             <a:r>
-              <a:rPr lang="en-US" sz="1100" b="0" dirty="0">
-                <a:solidFill>
-                  <a:srgbClr val="D4D4D4"/>
-                </a:solidFill>
-                <a:effectLst/>
+              <a:rPr lang="en-US" sz="1100" dirty="0">
+                <a:solidFill>
+                  <a:srgbClr val="D4D4D4"/>
+                </a:solidFill>
                 <a:latin typeface="Consolas" panose="020B0609020204030204" pitchFamily="49" charset="0"/>
               </a:rPr>
               <a:t> &gt;= </a:t>
             </a:r>
             <a:r>
-              <a:rPr lang="en-US" sz="1100" b="0" dirty="0">
+              <a:rPr lang="en-US" sz="1100" dirty="0">
                 <a:solidFill>
                   <a:srgbClr val="B5CEA8"/>
                 </a:solidFill>
-                <a:effectLst/>
                 <a:latin typeface="Consolas" panose="020B0609020204030204" pitchFamily="49" charset="0"/>
               </a:rPr>
               <a:t>0</a:t>
             </a:r>
             <a:r>
-              <a:rPr lang="en-US" sz="1100" b="0" dirty="0">
-                <a:solidFill>
-                  <a:srgbClr val="D4D4D4"/>
-                </a:solidFill>
-                <a:effectLst/>
-                <a:latin typeface="Consolas" panose="020B0609020204030204" pitchFamily="49" charset="0"/>
-              </a:rPr>
-              <a:t>);</a:t>
-            </a:r>
-          </a:p>
-          <a:p>
-            <a:r>
-              <a:rPr lang="en-US" sz="1100" b="0" dirty="0">
-                <a:solidFill>
-                  <a:srgbClr val="D4D4D4"/>
-                </a:solidFill>
-                <a:effectLst/>
-                <a:latin typeface="Consolas" panose="020B0609020204030204" pitchFamily="49" charset="0"/>
-              </a:rPr>
-              <a:t>  </a:t>
-            </a:r>
-            <a:r>
-              <a:rPr lang="en-US" sz="1100" b="0" dirty="0">
-                <a:solidFill>
-                  <a:srgbClr val="569CD6"/>
-                </a:solidFill>
-                <a:effectLst/>
-                <a:latin typeface="Consolas" panose="020B0609020204030204" pitchFamily="49" charset="0"/>
-              </a:rPr>
-              <a:t>bool</a:t>
-            </a:r>
-            <a:r>
-              <a:rPr lang="en-US" sz="1100" b="0" dirty="0">
-                <a:solidFill>
-                  <a:srgbClr val="D4D4D4"/>
-                </a:solidFill>
-                <a:effectLst/>
-                <a:latin typeface="Consolas" panose="020B0609020204030204" pitchFamily="49" charset="0"/>
-              </a:rPr>
-              <a:t> </a:t>
-            </a:r>
-            <a:r>
-              <a:rPr lang="en-US" sz="1100" b="0" dirty="0" err="1">
-                <a:solidFill>
-                  <a:srgbClr val="9CDCFE"/>
-                </a:solidFill>
-                <a:effectLst/>
-                <a:latin typeface="Consolas" panose="020B0609020204030204" pitchFamily="49" charset="0"/>
-              </a:rPr>
-              <a:t>row_below</a:t>
-            </a:r>
-            <a:r>
-              <a:rPr lang="en-US" sz="1100" b="0" dirty="0">
-                <a:solidFill>
-                  <a:srgbClr val="D4D4D4"/>
-                </a:solidFill>
-                <a:effectLst/>
-                <a:latin typeface="Consolas" panose="020B0609020204030204" pitchFamily="49" charset="0"/>
-              </a:rPr>
-              <a:t> = (</a:t>
-            </a:r>
-            <a:r>
-              <a:rPr lang="en-US" sz="1100" b="0" dirty="0">
-                <a:solidFill>
-                  <a:srgbClr val="9CDCFE"/>
-                </a:solidFill>
-                <a:effectLst/>
-                <a:latin typeface="Consolas" panose="020B0609020204030204" pitchFamily="49" charset="0"/>
-              </a:rPr>
-              <a:t>r</a:t>
-            </a:r>
-            <a:r>
-              <a:rPr lang="en-US" sz="1100" b="0" dirty="0">
-                <a:solidFill>
-                  <a:srgbClr val="D4D4D4"/>
-                </a:solidFill>
-                <a:effectLst/>
-                <a:latin typeface="Consolas" panose="020B0609020204030204" pitchFamily="49" charset="0"/>
-              </a:rPr>
-              <a:t> &gt;= </a:t>
-            </a:r>
-            <a:r>
-              <a:rPr lang="en-US" sz="1100" b="0" dirty="0">
-                <a:solidFill>
-                  <a:srgbClr val="569CD6"/>
-                </a:solidFill>
-                <a:effectLst/>
-                <a:latin typeface="Consolas" panose="020B0609020204030204" pitchFamily="49" charset="0"/>
-              </a:rPr>
-              <a:t>BLOCK_HEIGHT</a:t>
-            </a:r>
-            <a:r>
-              <a:rPr lang="en-US" sz="1100" b="0" dirty="0">
-                <a:solidFill>
-                  <a:srgbClr val="D4D4D4"/>
-                </a:solidFill>
-                <a:effectLst/>
-                <a:latin typeface="Consolas" panose="020B0609020204030204" pitchFamily="49" charset="0"/>
-              </a:rPr>
-              <a:t> - </a:t>
-            </a:r>
-            <a:r>
-              <a:rPr lang="en-US" sz="1100" b="0" dirty="0">
-                <a:solidFill>
-                  <a:srgbClr val="9CDCFE"/>
-                </a:solidFill>
-                <a:effectLst/>
+              <a:rPr lang="en-US" sz="1100" dirty="0">
+                <a:solidFill>
+                  <a:srgbClr val="D4D4D4"/>
+                </a:solidFill>
+                <a:latin typeface="Consolas" panose="020B0609020204030204" pitchFamily="49" charset="0"/>
+              </a:rPr>
+              <a:t> &amp;&amp; </a:t>
+            </a:r>
+            <a:r>
+              <a:rPr lang="en-US" sz="1100" dirty="0">
+                <a:solidFill>
+                  <a:srgbClr val="9CDCFE"/>
+                </a:solidFill>
+                <a:latin typeface="Consolas" panose="020B0609020204030204" pitchFamily="49" charset="0"/>
+              </a:rPr>
+              <a:t>c</a:t>
+            </a:r>
+            <a:r>
+              <a:rPr lang="en-US" sz="1100" dirty="0">
+                <a:solidFill>
+                  <a:srgbClr val="D4D4D4"/>
+                </a:solidFill>
+                <a:latin typeface="Consolas" panose="020B0609020204030204" pitchFamily="49" charset="0"/>
+              </a:rPr>
+              <a:t> &lt; </a:t>
+            </a:r>
+            <a:r>
+              <a:rPr lang="en-US" sz="1100" dirty="0">
+                <a:solidFill>
+                  <a:srgbClr val="9CDCFE"/>
+                </a:solidFill>
                 <a:latin typeface="Consolas" panose="020B0609020204030204" pitchFamily="49" charset="0"/>
               </a:rPr>
               <a:t>shift</a:t>
             </a:r>
             <a:r>
-              <a:rPr lang="en-US" sz="1100" b="0" dirty="0">
-                <a:solidFill>
-                  <a:srgbClr val="D4D4D4"/>
-                </a:solidFill>
-                <a:effectLst/>
-                <a:latin typeface="Consolas" panose="020B0609020204030204" pitchFamily="49" charset="0"/>
-              </a:rPr>
-              <a:t> &amp;&amp; (</a:t>
-            </a:r>
-            <a:r>
-              <a:rPr lang="en-US" sz="1100" b="0" dirty="0">
-                <a:solidFill>
-                  <a:srgbClr val="9CDCFE"/>
-                </a:solidFill>
-                <a:effectLst/>
-                <a:latin typeface="Consolas" panose="020B0609020204030204" pitchFamily="49" charset="0"/>
-              </a:rPr>
-              <a:t>row</a:t>
-            </a:r>
-            <a:r>
-              <a:rPr lang="en-US" sz="1100" b="0" dirty="0">
-                <a:solidFill>
-                  <a:srgbClr val="D4D4D4"/>
-                </a:solidFill>
-                <a:effectLst/>
-                <a:latin typeface="Consolas" panose="020B0609020204030204" pitchFamily="49" charset="0"/>
-              </a:rPr>
-              <a:t> + </a:t>
-            </a:r>
-            <a:r>
-              <a:rPr lang="en-US" sz="1100" b="0" dirty="0">
-                <a:solidFill>
-                  <a:srgbClr val="9CDCFE"/>
-                </a:solidFill>
-                <a:effectLst/>
-                <a:latin typeface="Consolas" panose="020B0609020204030204" pitchFamily="49" charset="0"/>
-              </a:rPr>
-              <a:t>shift</a:t>
-            </a:r>
-            <a:r>
-              <a:rPr lang="en-US" sz="1100" b="0" dirty="0">
-                <a:solidFill>
-                  <a:srgbClr val="D4D4D4"/>
-                </a:solidFill>
-                <a:effectLst/>
-                <a:latin typeface="Consolas" panose="020B0609020204030204" pitchFamily="49" charset="0"/>
-              </a:rPr>
-              <a:t>) &lt; 	</a:t>
-            </a:r>
-            <a:r>
-              <a:rPr lang="en-US" sz="1100" b="0" dirty="0">
-                <a:solidFill>
-                  <a:srgbClr val="9CDCFE"/>
-                </a:solidFill>
-                <a:effectLst/>
-                <a:latin typeface="Consolas" panose="020B0609020204030204" pitchFamily="49" charset="0"/>
-              </a:rPr>
-              <a:t>HEIGHT</a:t>
-            </a:r>
-            <a:r>
-              <a:rPr lang="en-US" sz="1100" b="0" dirty="0">
-                <a:solidFill>
-                  <a:srgbClr val="D4D4D4"/>
-                </a:solidFill>
-                <a:effectLst/>
-                <a:latin typeface="Consolas" panose="020B0609020204030204" pitchFamily="49" charset="0"/>
-              </a:rPr>
-              <a:t>);</a:t>
-            </a:r>
-          </a:p>
-          <a:p>
-            <a:r>
-              <a:rPr lang="en-US" sz="1100" b="0" dirty="0">
-                <a:solidFill>
-                  <a:srgbClr val="D4D4D4"/>
-                </a:solidFill>
-                <a:effectLst/>
-                <a:latin typeface="Consolas" panose="020B0609020204030204" pitchFamily="49" charset="0"/>
-              </a:rPr>
-              <a:t>  </a:t>
-            </a:r>
-            <a:r>
-              <a:rPr lang="en-US" sz="1100" b="0" dirty="0">
-                <a:solidFill>
-                  <a:srgbClr val="569CD6"/>
-                </a:solidFill>
-                <a:effectLst/>
-                <a:latin typeface="Consolas" panose="020B0609020204030204" pitchFamily="49" charset="0"/>
-              </a:rPr>
-              <a:t>bool</a:t>
-            </a:r>
-            <a:r>
-              <a:rPr lang="en-US" sz="1100" b="0" dirty="0">
-                <a:solidFill>
-                  <a:srgbClr val="D4D4D4"/>
-                </a:solidFill>
-                <a:effectLst/>
-                <a:latin typeface="Consolas" panose="020B0609020204030204" pitchFamily="49" charset="0"/>
-              </a:rPr>
-              <a:t> </a:t>
-            </a:r>
-            <a:r>
-              <a:rPr lang="en-US" sz="1100" b="0" dirty="0" err="1">
-                <a:solidFill>
-                  <a:srgbClr val="9CDCFE"/>
-                </a:solidFill>
-                <a:effectLst/>
-                <a:latin typeface="Consolas" panose="020B0609020204030204" pitchFamily="49" charset="0"/>
-              </a:rPr>
-              <a:t>col_left</a:t>
-            </a:r>
-            <a:r>
-              <a:rPr lang="en-US" sz="1100" b="0" dirty="0">
-                <a:solidFill>
-                  <a:srgbClr val="D4D4D4"/>
-                </a:solidFill>
-                <a:effectLst/>
-                <a:latin typeface="Consolas" panose="020B0609020204030204" pitchFamily="49" charset="0"/>
-              </a:rPr>
-              <a:t> = (</a:t>
-            </a:r>
-            <a:r>
-              <a:rPr lang="en-US" sz="1100" b="0" dirty="0">
-                <a:solidFill>
-                  <a:srgbClr val="9CDCFE"/>
-                </a:solidFill>
-                <a:effectLst/>
-                <a:latin typeface="Consolas" panose="020B0609020204030204" pitchFamily="49" charset="0"/>
-              </a:rPr>
-              <a:t>col</a:t>
-            </a:r>
-            <a:r>
-              <a:rPr lang="en-US" sz="1100" b="0" dirty="0">
-                <a:solidFill>
-                  <a:srgbClr val="D4D4D4"/>
-                </a:solidFill>
-                <a:effectLst/>
-                <a:latin typeface="Consolas" panose="020B0609020204030204" pitchFamily="49" charset="0"/>
-              </a:rPr>
-              <a:t> - </a:t>
-            </a:r>
-            <a:r>
-              <a:rPr lang="en-US" sz="1100" b="0" dirty="0">
-                <a:solidFill>
-                  <a:srgbClr val="9CDCFE"/>
-                </a:solidFill>
-                <a:effectLst/>
-                <a:latin typeface="Consolas" panose="020B0609020204030204" pitchFamily="49" charset="0"/>
-              </a:rPr>
-              <a:t>shift</a:t>
-            </a:r>
-            <a:r>
-              <a:rPr lang="en-US" sz="1100" b="0" dirty="0">
-                <a:solidFill>
-                  <a:srgbClr val="D4D4D4"/>
-                </a:solidFill>
-                <a:effectLst/>
-                <a:latin typeface="Consolas" panose="020B0609020204030204" pitchFamily="49" charset="0"/>
-              </a:rPr>
-              <a:t> &gt;= </a:t>
-            </a:r>
-            <a:r>
-              <a:rPr lang="en-US" sz="1100" b="0" dirty="0">
-                <a:solidFill>
-                  <a:srgbClr val="B5CEA8"/>
-                </a:solidFill>
-                <a:effectLst/>
-                <a:latin typeface="Consolas" panose="020B0609020204030204" pitchFamily="49" charset="0"/>
-              </a:rPr>
-              <a:t>0</a:t>
-            </a:r>
-            <a:r>
-              <a:rPr lang="en-US" sz="1100" b="0" dirty="0">
-                <a:solidFill>
-                  <a:srgbClr val="D4D4D4"/>
-                </a:solidFill>
-                <a:effectLst/>
+              <a:rPr lang="en-US" sz="1100" dirty="0">
+                <a:solidFill>
+                  <a:srgbClr val="D4D4D4"/>
+                </a:solidFill>
                 <a:latin typeface="Consolas" panose="020B0609020204030204" pitchFamily="49" charset="0"/>
               </a:rPr>
               <a:t>);</a:t>
@@ -7375,7 +7760,7 @@
         </p:nvSpPr>
         <p:spPr>
           <a:xfrm>
-            <a:off x="3711677" y="1758061"/>
+            <a:off x="3711676" y="1746592"/>
             <a:ext cx="5432323" cy="5001369"/>
           </a:xfrm>
           <a:prstGeom prst="rect">
@@ -10515,7 +10900,7 @@
                               <p:par>
                                 <p:cTn id="5" presetID="2" presetClass="exit" presetSubtype="1" fill="hold" grpId="0" nodeType="clickEffect">
                                   <p:stCondLst>
-                                    <p:cond delay="570"/>
+                                    <p:cond delay="400"/>
                                   </p:stCondLst>
                                   <p:childTnLst>
                                     <p:anim calcmode="lin" valueType="num">
@@ -10962,82 +11347,6 @@
       </p:sp>
       <p:sp>
         <p:nvSpPr>
-          <p:cNvPr id="14" name="CasellaDiTesto 13"/>
-          <p:cNvSpPr txBox="1"/>
-          <p:nvPr/>
-        </p:nvSpPr>
-        <p:spPr>
-          <a:xfrm>
-            <a:off x="7082015" y="403482"/>
-            <a:ext cx="1621846" cy="492443"/>
-          </a:xfrm>
-          <a:prstGeom prst="rect">
-            <a:avLst/>
-          </a:prstGeom>
-          <a:noFill/>
-        </p:spPr>
-        <p:txBody>
-          <a:bodyPr wrap="none" rtlCol="0">
-            <a:spAutoFit/>
-          </a:bodyPr>
-          <a:lstStyle/>
-          <a:p>
-            <a:pPr algn="r"/>
-            <a:r>
-              <a:rPr lang="it-IT" sz="800" dirty="0">
-                <a:solidFill>
-                  <a:schemeClr val="bg1"/>
-                </a:solidFill>
-                <a:latin typeface="Arial"/>
-                <a:cs typeface="Arial"/>
-              </a:rPr>
-              <a:t>Luogo e data </a:t>
-            </a:r>
-            <a:r>
-              <a:rPr lang="it-IT" sz="800" dirty="0" err="1">
-                <a:solidFill>
-                  <a:schemeClr val="bg1"/>
-                </a:solidFill>
-                <a:latin typeface="Arial"/>
-                <a:cs typeface="Arial"/>
-              </a:rPr>
-              <a:t>arial</a:t>
-            </a:r>
-            <a:r>
-              <a:rPr lang="it-IT" sz="800" dirty="0">
-                <a:solidFill>
-                  <a:schemeClr val="bg1"/>
-                </a:solidFill>
-                <a:latin typeface="Arial"/>
-                <a:cs typeface="Arial"/>
-              </a:rPr>
-              <a:t> regular 8 </a:t>
-            </a:r>
-            <a:r>
-              <a:rPr lang="it-IT" sz="800" dirty="0" err="1">
-                <a:solidFill>
-                  <a:schemeClr val="bg1"/>
-                </a:solidFill>
-                <a:latin typeface="Arial"/>
-                <a:cs typeface="Arial"/>
-              </a:rPr>
-              <a:t>pt</a:t>
-            </a:r>
-            <a:endParaRPr lang="it-IT" sz="800" dirty="0">
-              <a:solidFill>
-                <a:schemeClr val="bg1"/>
-              </a:solidFill>
-              <a:latin typeface="Arial"/>
-              <a:cs typeface="Arial"/>
-            </a:endParaRPr>
-          </a:p>
-          <a:p>
-            <a:endParaRPr lang="it-IT" dirty="0"/>
-          </a:p>
-        </p:txBody>
-      </p:sp>
-      <p:sp>
-        <p:nvSpPr>
           <p:cNvPr id="4" name="CasellaDiTesto 8">
             <a:extLst>
               <a:ext uri="{FF2B5EF4-FFF2-40B4-BE49-F238E27FC236}">
@@ -12868,82 +13177,6 @@
               </a:rPr>
               <a:t> Shift Clustering</a:t>
             </a:r>
-          </a:p>
-        </p:txBody>
-      </p:sp>
-      <p:sp>
-        <p:nvSpPr>
-          <p:cNvPr id="14" name="CasellaDiTesto 13"/>
-          <p:cNvSpPr txBox="1"/>
-          <p:nvPr/>
-        </p:nvSpPr>
-        <p:spPr>
-          <a:xfrm>
-            <a:off x="7082015" y="403482"/>
-            <a:ext cx="1621846" cy="492443"/>
-          </a:xfrm>
-          <a:prstGeom prst="rect">
-            <a:avLst/>
-          </a:prstGeom>
-          <a:noFill/>
-        </p:spPr>
-        <p:txBody>
-          <a:bodyPr wrap="none" rtlCol="0">
-            <a:spAutoFit/>
-          </a:bodyPr>
-          <a:lstStyle/>
-          <a:p>
-            <a:pPr algn="r"/>
-            <a:r>
-              <a:rPr lang="it-IT" sz="800" dirty="0">
-                <a:solidFill>
-                  <a:schemeClr val="bg1"/>
-                </a:solidFill>
-                <a:latin typeface="Arial"/>
-                <a:cs typeface="Arial"/>
-              </a:rPr>
-              <a:t>Luogo e data </a:t>
-            </a:r>
-            <a:r>
-              <a:rPr lang="it-IT" sz="800" dirty="0" err="1">
-                <a:solidFill>
-                  <a:schemeClr val="bg1"/>
-                </a:solidFill>
-                <a:latin typeface="Arial"/>
-                <a:cs typeface="Arial"/>
-              </a:rPr>
-              <a:t>arial</a:t>
-            </a:r>
-            <a:r>
-              <a:rPr lang="it-IT" sz="800" dirty="0">
-                <a:solidFill>
-                  <a:schemeClr val="bg1"/>
-                </a:solidFill>
-                <a:latin typeface="Arial"/>
-                <a:cs typeface="Arial"/>
-              </a:rPr>
-              <a:t> regular 8 </a:t>
-            </a:r>
-            <a:r>
-              <a:rPr lang="it-IT" sz="800" dirty="0" err="1">
-                <a:solidFill>
-                  <a:schemeClr val="bg1"/>
-                </a:solidFill>
-                <a:latin typeface="Arial"/>
-                <a:cs typeface="Arial"/>
-              </a:rPr>
-              <a:t>pt</a:t>
-            </a:r>
-            <a:endParaRPr lang="it-IT" sz="800" dirty="0">
-              <a:solidFill>
-                <a:schemeClr val="bg1"/>
-              </a:solidFill>
-              <a:latin typeface="Arial"/>
-              <a:cs typeface="Arial"/>
-            </a:endParaRPr>
-          </a:p>
-          <a:p>
-            <a:endParaRPr lang="it-IT" dirty="0"/>
           </a:p>
         </p:txBody>
       </p:sp>
@@ -13440,82 +13673,6 @@
       </p:sp>
       <p:sp>
         <p:nvSpPr>
-          <p:cNvPr id="14" name="CasellaDiTesto 13"/>
-          <p:cNvSpPr txBox="1"/>
-          <p:nvPr/>
-        </p:nvSpPr>
-        <p:spPr>
-          <a:xfrm>
-            <a:off x="7082015" y="403482"/>
-            <a:ext cx="1621846" cy="492443"/>
-          </a:xfrm>
-          <a:prstGeom prst="rect">
-            <a:avLst/>
-          </a:prstGeom>
-          <a:noFill/>
-        </p:spPr>
-        <p:txBody>
-          <a:bodyPr wrap="none" rtlCol="0">
-            <a:spAutoFit/>
-          </a:bodyPr>
-          <a:lstStyle/>
-          <a:p>
-            <a:pPr algn="r"/>
-            <a:r>
-              <a:rPr lang="it-IT" sz="800" dirty="0">
-                <a:solidFill>
-                  <a:schemeClr val="bg1"/>
-                </a:solidFill>
-                <a:latin typeface="Arial"/>
-                <a:cs typeface="Arial"/>
-              </a:rPr>
-              <a:t>Luogo e data </a:t>
-            </a:r>
-            <a:r>
-              <a:rPr lang="it-IT" sz="800" dirty="0" err="1">
-                <a:solidFill>
-                  <a:schemeClr val="bg1"/>
-                </a:solidFill>
-                <a:latin typeface="Arial"/>
-                <a:cs typeface="Arial"/>
-              </a:rPr>
-              <a:t>arial</a:t>
-            </a:r>
-            <a:r>
-              <a:rPr lang="it-IT" sz="800" dirty="0">
-                <a:solidFill>
-                  <a:schemeClr val="bg1"/>
-                </a:solidFill>
-                <a:latin typeface="Arial"/>
-                <a:cs typeface="Arial"/>
-              </a:rPr>
-              <a:t> regular 8 </a:t>
-            </a:r>
-            <a:r>
-              <a:rPr lang="it-IT" sz="800" dirty="0" err="1">
-                <a:solidFill>
-                  <a:schemeClr val="bg1"/>
-                </a:solidFill>
-                <a:latin typeface="Arial"/>
-                <a:cs typeface="Arial"/>
-              </a:rPr>
-              <a:t>pt</a:t>
-            </a:r>
-            <a:endParaRPr lang="it-IT" sz="800" dirty="0">
-              <a:solidFill>
-                <a:schemeClr val="bg1"/>
-              </a:solidFill>
-              <a:latin typeface="Arial"/>
-              <a:cs typeface="Arial"/>
-            </a:endParaRPr>
-          </a:p>
-          <a:p>
-            <a:endParaRPr lang="it-IT" dirty="0"/>
-          </a:p>
-        </p:txBody>
-      </p:sp>
-      <p:sp>
-        <p:nvSpPr>
           <p:cNvPr id="4" name="CasellaDiTesto 8">
             <a:extLst>
               <a:ext uri="{FF2B5EF4-FFF2-40B4-BE49-F238E27FC236}">
@@ -13529,7 +13686,7 @@
         <p:spPr>
           <a:xfrm>
             <a:off x="623631" y="2131576"/>
-            <a:ext cx="3260069" cy="2862322"/>
+            <a:ext cx="3260069" cy="2585323"/>
           </a:xfrm>
           <a:prstGeom prst="rect">
             <a:avLst/>
@@ -13547,17 +13704,6 @@
               <a:buChar char="•"/>
             </a:pPr>
             <a:r>
-              <a:rPr lang="en-US" dirty="0"/>
-              <a:t>We obtain an opposite result</a:t>
-            </a:r>
-            <a:endParaRPr lang="it-IT" dirty="0"/>
-          </a:p>
-          <a:p>
-            <a:pPr marL="285750" indent="-285750" algn="l">
-              <a:buFont typeface="Arial" panose="020B0604020202020204" pitchFamily="34" charset="0"/>
-              <a:buChar char="•"/>
-            </a:pPr>
-            <a:r>
               <a:rPr lang="it-IT" dirty="0" err="1"/>
               <a:t>Now</a:t>
             </a:r>
@@ -13686,10 +13832,10 @@
       </p:sp>
       <p:pic>
         <p:nvPicPr>
-          <p:cNvPr id="9" name="Picture 8">
+          <p:cNvPr id="5" name="Picture 4">
             <a:extLst>
               <a:ext uri="{FF2B5EF4-FFF2-40B4-BE49-F238E27FC236}">
-                <a16:creationId xmlns:a16="http://schemas.microsoft.com/office/drawing/2014/main" id="{507830C4-BA9A-0FC3-01FF-F6E5B7C5E565}"/>
+                <a16:creationId xmlns:a16="http://schemas.microsoft.com/office/drawing/2014/main" id="{D20A094B-FB16-DCBC-0F25-D40B54B7180F}"/>
               </a:ext>
             </a:extLst>
           </p:cNvPr>
@@ -13706,8 +13852,8 @@
         </p:blipFill>
         <p:spPr>
           <a:xfrm>
-            <a:off x="4168876" y="1605920"/>
-            <a:ext cx="3982886" cy="5203748"/>
+            <a:off x="4032727" y="1526591"/>
+            <a:ext cx="3975646" cy="5303764"/>
           </a:xfrm>
           <a:prstGeom prst="rect">
             <a:avLst/>
@@ -13989,82 +14135,6 @@
       </p:sp>
       <p:sp>
         <p:nvSpPr>
-          <p:cNvPr id="14" name="CasellaDiTesto 13"/>
-          <p:cNvSpPr txBox="1"/>
-          <p:nvPr/>
-        </p:nvSpPr>
-        <p:spPr>
-          <a:xfrm>
-            <a:off x="7082015" y="403482"/>
-            <a:ext cx="1621846" cy="492443"/>
-          </a:xfrm>
-          <a:prstGeom prst="rect">
-            <a:avLst/>
-          </a:prstGeom>
-          <a:noFill/>
-        </p:spPr>
-        <p:txBody>
-          <a:bodyPr wrap="none" rtlCol="0">
-            <a:spAutoFit/>
-          </a:bodyPr>
-          <a:lstStyle/>
-          <a:p>
-            <a:pPr algn="r"/>
-            <a:r>
-              <a:rPr lang="it-IT" sz="800" dirty="0">
-                <a:solidFill>
-                  <a:schemeClr val="bg1"/>
-                </a:solidFill>
-                <a:latin typeface="Arial"/>
-                <a:cs typeface="Arial"/>
-              </a:rPr>
-              <a:t>Luogo e data </a:t>
-            </a:r>
-            <a:r>
-              <a:rPr lang="it-IT" sz="800" dirty="0" err="1">
-                <a:solidFill>
-                  <a:schemeClr val="bg1"/>
-                </a:solidFill>
-                <a:latin typeface="Arial"/>
-                <a:cs typeface="Arial"/>
-              </a:rPr>
-              <a:t>arial</a:t>
-            </a:r>
-            <a:r>
-              <a:rPr lang="it-IT" sz="800" dirty="0">
-                <a:solidFill>
-                  <a:schemeClr val="bg1"/>
-                </a:solidFill>
-                <a:latin typeface="Arial"/>
-                <a:cs typeface="Arial"/>
-              </a:rPr>
-              <a:t> regular 8 </a:t>
-            </a:r>
-            <a:r>
-              <a:rPr lang="it-IT" sz="800" dirty="0" err="1">
-                <a:solidFill>
-                  <a:schemeClr val="bg1"/>
-                </a:solidFill>
-                <a:latin typeface="Arial"/>
-                <a:cs typeface="Arial"/>
-              </a:rPr>
-              <a:t>pt</a:t>
-            </a:r>
-            <a:endParaRPr lang="it-IT" sz="800" dirty="0">
-              <a:solidFill>
-                <a:schemeClr val="bg1"/>
-              </a:solidFill>
-              <a:latin typeface="Arial"/>
-              <a:cs typeface="Arial"/>
-            </a:endParaRPr>
-          </a:p>
-          <a:p>
-            <a:endParaRPr lang="it-IT" dirty="0"/>
-          </a:p>
-        </p:txBody>
-      </p:sp>
-      <p:sp>
-        <p:nvSpPr>
           <p:cNvPr id="4" name="CasellaDiTesto 8">
             <a:extLst>
               <a:ext uri="{FF2B5EF4-FFF2-40B4-BE49-F238E27FC236}">
@@ -14239,10 +14309,10 @@
       </p:sp>
       <p:pic>
         <p:nvPicPr>
-          <p:cNvPr id="18" name="Picture 17">
+          <p:cNvPr id="5" name="Picture 4">
             <a:extLst>
               <a:ext uri="{FF2B5EF4-FFF2-40B4-BE49-F238E27FC236}">
-                <a16:creationId xmlns:a16="http://schemas.microsoft.com/office/drawing/2014/main" id="{6E19FCFE-F9CB-519B-1B0C-17234CC5BC9B}"/>
+                <a16:creationId xmlns:a16="http://schemas.microsoft.com/office/drawing/2014/main" id="{D94EBDC1-942F-13B1-7E2A-2C1B227A8C1A}"/>
               </a:ext>
             </a:extLst>
           </p:cNvPr>
@@ -14259,8 +14329,8 @@
         </p:blipFill>
         <p:spPr>
           <a:xfrm>
-            <a:off x="3887551" y="1428205"/>
-            <a:ext cx="4034883" cy="5378362"/>
+            <a:off x="3971116" y="1514993"/>
+            <a:ext cx="4102174" cy="5321383"/>
           </a:xfrm>
           <a:prstGeom prst="rect">
             <a:avLst/>
@@ -14403,7 +14473,7 @@
         <p:spPr>
           <a:xfrm>
             <a:off x="623631" y="1998842"/>
-            <a:ext cx="3260069" cy="4247317"/>
+            <a:ext cx="3260069" cy="3970318"/>
           </a:xfrm>
           <a:prstGeom prst="rect">
             <a:avLst/>
@@ -14426,6 +14496,16 @@
             </a:r>
           </a:p>
           <a:p>
+            <a:pPr marL="285750" indent="-285750">
+              <a:buFont typeface="Arial" panose="020B0604020202020204" pitchFamily="34" charset="0"/>
+              <a:buChar char="•"/>
+            </a:pPr>
+            <a:r>
+              <a:rPr lang="en-US" dirty="0"/>
+              <a:t>The kernel size and the values in the matrix determine the specific operation that is applied to the image</a:t>
+            </a:r>
+          </a:p>
+          <a:p>
             <a:pPr marL="285750" indent="-285750" algn="l">
               <a:buFont typeface="Arial" panose="020B0604020202020204" pitchFamily="34" charset="0"/>
               <a:buChar char="•"/>
@@ -14434,17 +14514,6 @@
               <a:rPr lang="en-US" dirty="0"/>
               <a:t>The kernel is applied to each pixel in the image, performing a convolution on the surrounding pixels to calculate the new value of the current pixel</a:t>
             </a:r>
-          </a:p>
-          <a:p>
-            <a:pPr marL="285750" indent="-285750" algn="l">
-              <a:buFont typeface="Arial" panose="020B0604020202020204" pitchFamily="34" charset="0"/>
-              <a:buChar char="•"/>
-            </a:pPr>
-            <a:r>
-              <a:rPr lang="en-US" dirty="0"/>
-              <a:t>The size of the kernel and the values in the matrix determine the specific operation that is applied to the image</a:t>
-            </a:r>
-            <a:endParaRPr lang="it-IT" dirty="0"/>
           </a:p>
         </p:txBody>
       </p:sp>
@@ -14580,88 +14649,12 @@
           </a:p>
         </p:txBody>
       </p:sp>
-      <p:sp>
-        <p:nvSpPr>
-          <p:cNvPr id="14" name="CasellaDiTesto 13"/>
-          <p:cNvSpPr txBox="1"/>
-          <p:nvPr/>
-        </p:nvSpPr>
-        <p:spPr>
-          <a:xfrm>
-            <a:off x="7082015" y="403482"/>
-            <a:ext cx="1621846" cy="492443"/>
-          </a:xfrm>
-          <a:prstGeom prst="rect">
-            <a:avLst/>
-          </a:prstGeom>
-          <a:noFill/>
-        </p:spPr>
-        <p:txBody>
-          <a:bodyPr wrap="none" rtlCol="0">
-            <a:spAutoFit/>
-          </a:bodyPr>
-          <a:lstStyle/>
-          <a:p>
-            <a:pPr algn="r"/>
-            <a:r>
-              <a:rPr lang="it-IT" sz="800" dirty="0">
-                <a:solidFill>
-                  <a:schemeClr val="bg1"/>
-                </a:solidFill>
-                <a:latin typeface="Arial"/>
-                <a:cs typeface="Arial"/>
-              </a:rPr>
-              <a:t>Luogo e data </a:t>
-            </a:r>
-            <a:r>
-              <a:rPr lang="it-IT" sz="800" dirty="0" err="1">
-                <a:solidFill>
-                  <a:schemeClr val="bg1"/>
-                </a:solidFill>
-                <a:latin typeface="Arial"/>
-                <a:cs typeface="Arial"/>
-              </a:rPr>
-              <a:t>arial</a:t>
-            </a:r>
-            <a:r>
-              <a:rPr lang="it-IT" sz="800" dirty="0">
-                <a:solidFill>
-                  <a:schemeClr val="bg1"/>
-                </a:solidFill>
-                <a:latin typeface="Arial"/>
-                <a:cs typeface="Arial"/>
-              </a:rPr>
-              <a:t> regular 8 </a:t>
-            </a:r>
-            <a:r>
-              <a:rPr lang="it-IT" sz="800" dirty="0" err="1">
-                <a:solidFill>
-                  <a:schemeClr val="bg1"/>
-                </a:solidFill>
-                <a:latin typeface="Arial"/>
-                <a:cs typeface="Arial"/>
-              </a:rPr>
-              <a:t>pt</a:t>
-            </a:r>
-            <a:endParaRPr lang="it-IT" sz="800" dirty="0">
-              <a:solidFill>
-                <a:schemeClr val="bg1"/>
-              </a:solidFill>
-              <a:latin typeface="Arial"/>
-              <a:cs typeface="Arial"/>
-            </a:endParaRPr>
-          </a:p>
-          <a:p>
-            <a:endParaRPr lang="it-IT" dirty="0"/>
-          </a:p>
-        </p:txBody>
-      </p:sp>
       <p:pic>
         <p:nvPicPr>
-          <p:cNvPr id="5" name="Picture 4" descr="Calendar&#10;&#10;Description automatically generated">
+          <p:cNvPr id="4" name="Picture 3" descr="A picture containing table&#10;&#10;Description automatically generated">
             <a:extLst>
               <a:ext uri="{FF2B5EF4-FFF2-40B4-BE49-F238E27FC236}">
-                <a16:creationId xmlns:a16="http://schemas.microsoft.com/office/drawing/2014/main" id="{8136E8C2-4083-D870-D2B5-D9B7D34D35D5}"/>
+                <a16:creationId xmlns:a16="http://schemas.microsoft.com/office/drawing/2014/main" id="{346636D2-2F9D-E9C0-12F7-B1573E494DCF}"/>
               </a:ext>
             </a:extLst>
           </p:cNvPr>
@@ -14678,8 +14671,8 @@
         </p:blipFill>
         <p:spPr>
           <a:xfrm>
-            <a:off x="4375355" y="2032982"/>
-            <a:ext cx="4176188" cy="3694320"/>
+            <a:off x="4374396" y="1583343"/>
+            <a:ext cx="3370350" cy="4842833"/>
           </a:xfrm>
           <a:prstGeom prst="rect">
             <a:avLst/>
@@ -15045,45 +15038,6 @@
               </a:rPr>
               <a:t>Mean Shift Clustering</a:t>
             </a:r>
-          </a:p>
-        </p:txBody>
-      </p:sp>
-      <p:sp>
-        <p:nvSpPr>
-          <p:cNvPr id="14" name="CasellaDiTesto 13"/>
-          <p:cNvSpPr txBox="1"/>
-          <p:nvPr/>
-        </p:nvSpPr>
-        <p:spPr>
-          <a:xfrm>
-            <a:off x="7082015" y="403482"/>
-            <a:ext cx="1621846" cy="492443"/>
-          </a:xfrm>
-          <a:prstGeom prst="rect">
-            <a:avLst/>
-          </a:prstGeom>
-          <a:noFill/>
-        </p:spPr>
-        <p:txBody>
-          <a:bodyPr wrap="none" rtlCol="0">
-            <a:spAutoFit/>
-          </a:bodyPr>
-          <a:lstStyle/>
-          <a:p>
-            <a:pPr algn="r"/>
-            <a:r>
-              <a:rPr lang="it-IT" sz="800" dirty="0">
-                <a:solidFill>
-                  <a:schemeClr val="bg1"/>
-                </a:solidFill>
-                <a:latin typeface="Arial"/>
-                <a:cs typeface="Arial"/>
-              </a:rPr>
-              <a:t>Luogo e data arial regular 8 pt</a:t>
-            </a:r>
-          </a:p>
-          <a:p>
-            <a:endParaRPr lang="it-IT" dirty="0"/>
           </a:p>
         </p:txBody>
       </p:sp>
@@ -15483,82 +15437,6 @@
           </a:p>
         </p:txBody>
       </p:sp>
-      <p:sp>
-        <p:nvSpPr>
-          <p:cNvPr id="14" name="CasellaDiTesto 13"/>
-          <p:cNvSpPr txBox="1"/>
-          <p:nvPr/>
-        </p:nvSpPr>
-        <p:spPr>
-          <a:xfrm>
-            <a:off x="7082015" y="403482"/>
-            <a:ext cx="1621846" cy="492443"/>
-          </a:xfrm>
-          <a:prstGeom prst="rect">
-            <a:avLst/>
-          </a:prstGeom>
-          <a:noFill/>
-        </p:spPr>
-        <p:txBody>
-          <a:bodyPr wrap="none" rtlCol="0">
-            <a:spAutoFit/>
-          </a:bodyPr>
-          <a:lstStyle/>
-          <a:p>
-            <a:pPr algn="r"/>
-            <a:r>
-              <a:rPr lang="it-IT" sz="800" dirty="0">
-                <a:solidFill>
-                  <a:schemeClr val="bg1"/>
-                </a:solidFill>
-                <a:latin typeface="Arial"/>
-                <a:cs typeface="Arial"/>
-              </a:rPr>
-              <a:t>Luogo e data </a:t>
-            </a:r>
-            <a:r>
-              <a:rPr lang="it-IT" sz="800" dirty="0" err="1">
-                <a:solidFill>
-                  <a:schemeClr val="bg1"/>
-                </a:solidFill>
-                <a:latin typeface="Arial"/>
-                <a:cs typeface="Arial"/>
-              </a:rPr>
-              <a:t>arial</a:t>
-            </a:r>
-            <a:r>
-              <a:rPr lang="it-IT" sz="800" dirty="0">
-                <a:solidFill>
-                  <a:schemeClr val="bg1"/>
-                </a:solidFill>
-                <a:latin typeface="Arial"/>
-                <a:cs typeface="Arial"/>
-              </a:rPr>
-              <a:t> regular 8 </a:t>
-            </a:r>
-            <a:r>
-              <a:rPr lang="it-IT" sz="800" dirty="0" err="1">
-                <a:solidFill>
-                  <a:schemeClr val="bg1"/>
-                </a:solidFill>
-                <a:latin typeface="Arial"/>
-                <a:cs typeface="Arial"/>
-              </a:rPr>
-              <a:t>pt</a:t>
-            </a:r>
-            <a:endParaRPr lang="it-IT" sz="800" dirty="0">
-              <a:solidFill>
-                <a:schemeClr val="bg1"/>
-              </a:solidFill>
-              <a:latin typeface="Arial"/>
-              <a:cs typeface="Arial"/>
-            </a:endParaRPr>
-          </a:p>
-          <a:p>
-            <a:endParaRPr lang="it-IT" dirty="0"/>
-          </a:p>
-        </p:txBody>
-      </p:sp>
       <p:pic>
         <p:nvPicPr>
           <p:cNvPr id="6" name="Picture 5">
@@ -15871,82 +15749,6 @@
       </p:sp>
       <p:sp>
         <p:nvSpPr>
-          <p:cNvPr id="14" name="CasellaDiTesto 13"/>
-          <p:cNvSpPr txBox="1"/>
-          <p:nvPr/>
-        </p:nvSpPr>
-        <p:spPr>
-          <a:xfrm>
-            <a:off x="7082015" y="403482"/>
-            <a:ext cx="1621846" cy="492443"/>
-          </a:xfrm>
-          <a:prstGeom prst="rect">
-            <a:avLst/>
-          </a:prstGeom>
-          <a:noFill/>
-        </p:spPr>
-        <p:txBody>
-          <a:bodyPr wrap="none" rtlCol="0">
-            <a:spAutoFit/>
-          </a:bodyPr>
-          <a:lstStyle/>
-          <a:p>
-            <a:pPr algn="r"/>
-            <a:r>
-              <a:rPr lang="it-IT" sz="800" dirty="0">
-                <a:solidFill>
-                  <a:schemeClr val="bg1"/>
-                </a:solidFill>
-                <a:latin typeface="Arial"/>
-                <a:cs typeface="Arial"/>
-              </a:rPr>
-              <a:t>Luogo e data </a:t>
-            </a:r>
-            <a:r>
-              <a:rPr lang="it-IT" sz="800" dirty="0" err="1">
-                <a:solidFill>
-                  <a:schemeClr val="bg1"/>
-                </a:solidFill>
-                <a:latin typeface="Arial"/>
-                <a:cs typeface="Arial"/>
-              </a:rPr>
-              <a:t>arial</a:t>
-            </a:r>
-            <a:r>
-              <a:rPr lang="it-IT" sz="800" dirty="0">
-                <a:solidFill>
-                  <a:schemeClr val="bg1"/>
-                </a:solidFill>
-                <a:latin typeface="Arial"/>
-                <a:cs typeface="Arial"/>
-              </a:rPr>
-              <a:t> regular 8 </a:t>
-            </a:r>
-            <a:r>
-              <a:rPr lang="it-IT" sz="800" dirty="0" err="1">
-                <a:solidFill>
-                  <a:schemeClr val="bg1"/>
-                </a:solidFill>
-                <a:latin typeface="Arial"/>
-                <a:cs typeface="Arial"/>
-              </a:rPr>
-              <a:t>pt</a:t>
-            </a:r>
-            <a:endParaRPr lang="it-IT" sz="800" dirty="0">
-              <a:solidFill>
-                <a:schemeClr val="bg1"/>
-              </a:solidFill>
-              <a:latin typeface="Arial"/>
-              <a:cs typeface="Arial"/>
-            </a:endParaRPr>
-          </a:p>
-          <a:p>
-            <a:endParaRPr lang="it-IT" dirty="0"/>
-          </a:p>
-        </p:txBody>
-      </p:sp>
-      <p:sp>
-        <p:nvSpPr>
           <p:cNvPr id="3" name="TextBox 2">
             <a:extLst>
               <a:ext uri="{FF2B5EF4-FFF2-40B4-BE49-F238E27FC236}">
@@ -19331,6 +19133,13 @@
           <a:lstStyle/>
           <a:p>
             <a:r>
+              <a:rPr lang="it-IT" sz="2400" dirty="0">
+                <a:latin typeface="Arial"/>
+                <a:cs typeface="Arial"/>
+              </a:rPr>
+              <a:t>CPU </a:t>
+            </a:r>
+            <a:r>
               <a:rPr lang="it-IT" sz="2400" dirty="0" err="1">
                 <a:latin typeface="Arial"/>
                 <a:cs typeface="Arial"/>
@@ -19350,13 +19159,6 @@
                 <a:cs typeface="Arial"/>
               </a:rPr>
               <a:t>version</a:t>
-            </a:r>
-            <a:r>
-              <a:rPr lang="it-IT" sz="2400" dirty="0">
-                <a:latin typeface="Arial"/>
-                <a:cs typeface="Arial"/>
-              </a:rPr>
-              <a:t> CPU</a:t>
             </a:r>
             <a:endParaRPr lang="it-IT" dirty="0">
               <a:latin typeface="Arial"/>
@@ -19499,82 +19301,6 @@
       </p:sp>
       <p:sp>
         <p:nvSpPr>
-          <p:cNvPr id="14" name="CasellaDiTesto 13"/>
-          <p:cNvSpPr txBox="1"/>
-          <p:nvPr/>
-        </p:nvSpPr>
-        <p:spPr>
-          <a:xfrm>
-            <a:off x="7082015" y="403482"/>
-            <a:ext cx="1621846" cy="492443"/>
-          </a:xfrm>
-          <a:prstGeom prst="rect">
-            <a:avLst/>
-          </a:prstGeom>
-          <a:noFill/>
-        </p:spPr>
-        <p:txBody>
-          <a:bodyPr wrap="none" rtlCol="0">
-            <a:spAutoFit/>
-          </a:bodyPr>
-          <a:lstStyle/>
-          <a:p>
-            <a:pPr algn="r"/>
-            <a:r>
-              <a:rPr lang="it-IT" sz="800" dirty="0">
-                <a:solidFill>
-                  <a:schemeClr val="bg1"/>
-                </a:solidFill>
-                <a:latin typeface="Arial"/>
-                <a:cs typeface="Arial"/>
-              </a:rPr>
-              <a:t>Luogo e data </a:t>
-            </a:r>
-            <a:r>
-              <a:rPr lang="it-IT" sz="800" dirty="0" err="1">
-                <a:solidFill>
-                  <a:schemeClr val="bg1"/>
-                </a:solidFill>
-                <a:latin typeface="Arial"/>
-                <a:cs typeface="Arial"/>
-              </a:rPr>
-              <a:t>arial</a:t>
-            </a:r>
-            <a:r>
-              <a:rPr lang="it-IT" sz="800" dirty="0">
-                <a:solidFill>
-                  <a:schemeClr val="bg1"/>
-                </a:solidFill>
-                <a:latin typeface="Arial"/>
-                <a:cs typeface="Arial"/>
-              </a:rPr>
-              <a:t> regular 8 </a:t>
-            </a:r>
-            <a:r>
-              <a:rPr lang="it-IT" sz="800" dirty="0" err="1">
-                <a:solidFill>
-                  <a:schemeClr val="bg1"/>
-                </a:solidFill>
-                <a:latin typeface="Arial"/>
-                <a:cs typeface="Arial"/>
-              </a:rPr>
-              <a:t>pt</a:t>
-            </a:r>
-            <a:endParaRPr lang="it-IT" sz="800" dirty="0">
-              <a:solidFill>
-                <a:schemeClr val="bg1"/>
-              </a:solidFill>
-              <a:latin typeface="Arial"/>
-              <a:cs typeface="Arial"/>
-            </a:endParaRPr>
-          </a:p>
-          <a:p>
-            <a:endParaRPr lang="it-IT" dirty="0"/>
-          </a:p>
-        </p:txBody>
-      </p:sp>
-      <p:sp>
-        <p:nvSpPr>
           <p:cNvPr id="4" name="CasellaDiTesto 8">
             <a:extLst>
               <a:ext uri="{FF2B5EF4-FFF2-40B4-BE49-F238E27FC236}">
@@ -19625,7 +19351,7 @@
             </a:pPr>
             <a:r>
               <a:rPr lang="en-US" dirty="0"/>
-              <a:t>Schedule dynamic because the PC has 4 high performance cores and 8 efficient cores</a:t>
+              <a:t>Schedule dynamic because the PC has 8 high performance cores and 4 efficient cores</a:t>
             </a:r>
           </a:p>
           <a:p>
@@ -21424,45 +21150,6 @@
                 <a:latin typeface="Consolas" panose="020B0609020204030204" pitchFamily="49" charset="0"/>
               </a:rPr>
               <a:t>dynamic</a:t>
-            </a:r>
-            <a:r>
-              <a:rPr lang="en-US" sz="1100" b="0" dirty="0">
-                <a:solidFill>
-                  <a:srgbClr val="569CD6"/>
-                </a:solidFill>
-                <a:effectLst/>
-                <a:latin typeface="Consolas" panose="020B0609020204030204" pitchFamily="49" charset="0"/>
-              </a:rPr>
-              <a:t>) </a:t>
-            </a:r>
-            <a:r>
-              <a:rPr lang="en-US" sz="1100" dirty="0">
-                <a:solidFill>
-                  <a:srgbClr val="9CDCFE"/>
-                </a:solidFill>
-                <a:latin typeface="Consolas" panose="020B0609020204030204" pitchFamily="49" charset="0"/>
-              </a:rPr>
-              <a:t>collapse</a:t>
-            </a:r>
-            <a:r>
-              <a:rPr lang="en-US" sz="1100" b="0" dirty="0">
-                <a:solidFill>
-                  <a:srgbClr val="569CD6"/>
-                </a:solidFill>
-                <a:effectLst/>
-                <a:latin typeface="Consolas" panose="020B0609020204030204" pitchFamily="49" charset="0"/>
-              </a:rPr>
-              <a:t>(</a:t>
-            </a:r>
-            <a:r>
-              <a:rPr lang="en-US" sz="1100" b="0" dirty="0">
-                <a:solidFill>
-                  <a:srgbClr val="B5CEA8"/>
-                </a:solidFill>
-                <a:effectLst/>
-                <a:latin typeface="Consolas" panose="020B0609020204030204" pitchFamily="49" charset="0"/>
-              </a:rPr>
-              <a:t>2</a:t>
             </a:r>
             <a:r>
               <a:rPr lang="en-US" sz="1100" b="0" dirty="0">
@@ -23402,82 +23089,6 @@
               </a:rPr>
               <a:t> Shift Clustering</a:t>
             </a:r>
-          </a:p>
-        </p:txBody>
-      </p:sp>
-      <p:sp>
-        <p:nvSpPr>
-          <p:cNvPr id="14" name="CasellaDiTesto 13"/>
-          <p:cNvSpPr txBox="1"/>
-          <p:nvPr/>
-        </p:nvSpPr>
-        <p:spPr>
-          <a:xfrm>
-            <a:off x="7082015" y="403482"/>
-            <a:ext cx="1621846" cy="492443"/>
-          </a:xfrm>
-          <a:prstGeom prst="rect">
-            <a:avLst/>
-          </a:prstGeom>
-          <a:noFill/>
-        </p:spPr>
-        <p:txBody>
-          <a:bodyPr wrap="none" rtlCol="0">
-            <a:spAutoFit/>
-          </a:bodyPr>
-          <a:lstStyle/>
-          <a:p>
-            <a:pPr algn="r"/>
-            <a:r>
-              <a:rPr lang="it-IT" sz="800" dirty="0">
-                <a:solidFill>
-                  <a:schemeClr val="bg1"/>
-                </a:solidFill>
-                <a:latin typeface="Arial"/>
-                <a:cs typeface="Arial"/>
-              </a:rPr>
-              <a:t>Luogo e data </a:t>
-            </a:r>
-            <a:r>
-              <a:rPr lang="it-IT" sz="800" dirty="0" err="1">
-                <a:solidFill>
-                  <a:schemeClr val="bg1"/>
-                </a:solidFill>
-                <a:latin typeface="Arial"/>
-                <a:cs typeface="Arial"/>
-              </a:rPr>
-              <a:t>arial</a:t>
-            </a:r>
-            <a:r>
-              <a:rPr lang="it-IT" sz="800" dirty="0">
-                <a:solidFill>
-                  <a:schemeClr val="bg1"/>
-                </a:solidFill>
-                <a:latin typeface="Arial"/>
-                <a:cs typeface="Arial"/>
-              </a:rPr>
-              <a:t> regular 8 </a:t>
-            </a:r>
-            <a:r>
-              <a:rPr lang="it-IT" sz="800" dirty="0" err="1">
-                <a:solidFill>
-                  <a:schemeClr val="bg1"/>
-                </a:solidFill>
-                <a:latin typeface="Arial"/>
-                <a:cs typeface="Arial"/>
-              </a:rPr>
-              <a:t>pt</a:t>
-            </a:r>
-            <a:endParaRPr lang="it-IT" sz="800" dirty="0">
-              <a:solidFill>
-                <a:schemeClr val="bg1"/>
-              </a:solidFill>
-              <a:latin typeface="Arial"/>
-              <a:cs typeface="Arial"/>
-            </a:endParaRPr>
-          </a:p>
-          <a:p>
-            <a:endParaRPr lang="it-IT" dirty="0"/>
           </a:p>
         </p:txBody>
       </p:sp>
@@ -23993,82 +23604,6 @@
       </p:sp>
       <p:sp>
         <p:nvSpPr>
-          <p:cNvPr id="14" name="CasellaDiTesto 13"/>
-          <p:cNvSpPr txBox="1"/>
-          <p:nvPr/>
-        </p:nvSpPr>
-        <p:spPr>
-          <a:xfrm>
-            <a:off x="7082015" y="403482"/>
-            <a:ext cx="1621846" cy="492443"/>
-          </a:xfrm>
-          <a:prstGeom prst="rect">
-            <a:avLst/>
-          </a:prstGeom>
-          <a:noFill/>
-        </p:spPr>
-        <p:txBody>
-          <a:bodyPr wrap="none" rtlCol="0">
-            <a:spAutoFit/>
-          </a:bodyPr>
-          <a:lstStyle/>
-          <a:p>
-            <a:pPr algn="r"/>
-            <a:r>
-              <a:rPr lang="it-IT" sz="800" dirty="0">
-                <a:solidFill>
-                  <a:schemeClr val="bg1"/>
-                </a:solidFill>
-                <a:latin typeface="Arial"/>
-                <a:cs typeface="Arial"/>
-              </a:rPr>
-              <a:t>Luogo e data </a:t>
-            </a:r>
-            <a:r>
-              <a:rPr lang="it-IT" sz="800" dirty="0" err="1">
-                <a:solidFill>
-                  <a:schemeClr val="bg1"/>
-                </a:solidFill>
-                <a:latin typeface="Arial"/>
-                <a:cs typeface="Arial"/>
-              </a:rPr>
-              <a:t>arial</a:t>
-            </a:r>
-            <a:r>
-              <a:rPr lang="it-IT" sz="800" dirty="0">
-                <a:solidFill>
-                  <a:schemeClr val="bg1"/>
-                </a:solidFill>
-                <a:latin typeface="Arial"/>
-                <a:cs typeface="Arial"/>
-              </a:rPr>
-              <a:t> regular 8 </a:t>
-            </a:r>
-            <a:r>
-              <a:rPr lang="it-IT" sz="800" dirty="0" err="1">
-                <a:solidFill>
-                  <a:schemeClr val="bg1"/>
-                </a:solidFill>
-                <a:latin typeface="Arial"/>
-                <a:cs typeface="Arial"/>
-              </a:rPr>
-              <a:t>pt</a:t>
-            </a:r>
-            <a:endParaRPr lang="it-IT" sz="800" dirty="0">
-              <a:solidFill>
-                <a:schemeClr val="bg1"/>
-              </a:solidFill>
-              <a:latin typeface="Arial"/>
-              <a:cs typeface="Arial"/>
-            </a:endParaRPr>
-          </a:p>
-          <a:p>
-            <a:endParaRPr lang="it-IT" dirty="0"/>
-          </a:p>
-        </p:txBody>
-      </p:sp>
-      <p:sp>
-        <p:nvSpPr>
           <p:cNvPr id="4" name="CasellaDiTesto 8">
             <a:extLst>
               <a:ext uri="{FF2B5EF4-FFF2-40B4-BE49-F238E27FC236}">
@@ -24082,7 +23617,7 @@
         <p:spPr>
           <a:xfrm>
             <a:off x="623631" y="2175818"/>
-            <a:ext cx="3260069" cy="4524315"/>
+            <a:ext cx="3260069" cy="3970318"/>
           </a:xfrm>
           <a:prstGeom prst="rect">
             <a:avLst/>
@@ -24228,68 +23763,6 @@
               <a:t>memory</a:t>
             </a:r>
             <a:endParaRPr lang="it-IT" dirty="0"/>
-          </a:p>
-          <a:p>
-            <a:pPr marL="285750" indent="-285750" algn="l">
-              <a:buFont typeface="Arial" panose="020B0604020202020204" pitchFamily="34" charset="0"/>
-              <a:buChar char="•"/>
-            </a:pPr>
-            <a:r>
-              <a:rPr lang="it-IT" dirty="0" err="1"/>
-              <a:t>Calc</a:t>
-            </a:r>
-            <a:r>
-              <a:rPr lang="it-IT" dirty="0"/>
-              <a:t> </a:t>
-            </a:r>
-            <a:r>
-              <a:rPr lang="it-IT" dirty="0" err="1"/>
-              <a:t>block</a:t>
-            </a:r>
-            <a:r>
-              <a:rPr lang="it-IT" dirty="0"/>
-              <a:t> </a:t>
-            </a:r>
-            <a:r>
-              <a:rPr lang="it-IT" dirty="0" err="1"/>
-              <a:t>dim</a:t>
-            </a:r>
-            <a:r>
-              <a:rPr lang="it-IT" dirty="0"/>
-              <a:t> and </a:t>
-            </a:r>
-            <a:r>
-              <a:rPr lang="it-IT" dirty="0" err="1"/>
-              <a:t>grid</a:t>
-            </a:r>
-            <a:r>
-              <a:rPr lang="it-IT" dirty="0"/>
-              <a:t> </a:t>
-            </a:r>
-            <a:r>
-              <a:rPr lang="it-IT" dirty="0" err="1"/>
-              <a:t>dim</a:t>
-            </a:r>
-            <a:r>
-              <a:rPr lang="it-IT" dirty="0"/>
-              <a:t> </a:t>
-            </a:r>
-            <a:r>
-              <a:rPr lang="it-IT" dirty="0" err="1"/>
-              <a:t>using</a:t>
-            </a:r>
-            <a:r>
-              <a:rPr lang="it-IT" dirty="0"/>
-              <a:t> 16 </a:t>
-            </a:r>
-            <a:r>
-              <a:rPr lang="it-IT" dirty="0" err="1"/>
-              <a:t>as</a:t>
-            </a:r>
-            <a:r>
-              <a:rPr lang="it-IT" dirty="0"/>
-              <a:t> BLOCK_WIDTH</a:t>
-            </a:r>
           </a:p>
           <a:p>
             <a:pPr marL="285750" indent="-285750" algn="l">
@@ -24348,7 +23821,7 @@
         <p:spPr>
           <a:xfrm>
             <a:off x="3795252" y="1482571"/>
-            <a:ext cx="5378247" cy="5170646"/>
+            <a:ext cx="5378247" cy="5339923"/>
           </a:xfrm>
           <a:prstGeom prst="rect">
             <a:avLst/>
@@ -25090,14 +24563,14 @@
               <a:t> == </a:t>
             </a:r>
             <a:r>
-              <a:rPr lang="en-US" sz="1100" b="0" dirty="0">
+              <a:rPr lang="en-US" sz="1100" b="0" dirty="0" err="1">
                 <a:solidFill>
                   <a:srgbClr val="4FC1FF"/>
                 </a:solidFill>
                 <a:effectLst/>
                 <a:latin typeface="Consolas" panose="020B0609020204030204" pitchFamily="49" charset="0"/>
               </a:rPr>
-              <a:t>shared</a:t>
+              <a:t>shared_constant</a:t>
             </a:r>
             <a:r>
               <a:rPr lang="en-US" sz="1100" b="0" dirty="0">
@@ -25926,6 +25399,118 @@
                 <a:effectLst/>
                 <a:latin typeface="Consolas" panose="020B0609020204030204" pitchFamily="49" charset="0"/>
               </a:rPr>
+              <a:t>BLOCK_HEIGHT</a:t>
+            </a:r>
+            <a:r>
+              <a:rPr lang="en-US" sz="1100" b="0" dirty="0">
+                <a:solidFill>
+                  <a:srgbClr val="D4D4D4"/>
+                </a:solidFill>
+                <a:effectLst/>
+                <a:latin typeface="Consolas" panose="020B0609020204030204" pitchFamily="49" charset="0"/>
+              </a:rPr>
+              <a:t>- </a:t>
+            </a:r>
+            <a:r>
+              <a:rPr lang="en-US" sz="1100" b="0" dirty="0">
+                <a:solidFill>
+                  <a:srgbClr val="B5CEA8"/>
+                </a:solidFill>
+                <a:effectLst/>
+                <a:latin typeface="Consolas" panose="020B0609020204030204" pitchFamily="49" charset="0"/>
+              </a:rPr>
+              <a:t>1</a:t>
+            </a:r>
+            <a:r>
+              <a:rPr lang="en-US" sz="1100" b="0" dirty="0">
+                <a:solidFill>
+                  <a:srgbClr val="D4D4D4"/>
+                </a:solidFill>
+                <a:effectLst/>
+                <a:latin typeface="Consolas" panose="020B0609020204030204" pitchFamily="49" charset="0"/>
+              </a:rPr>
+              <a:t>) / </a:t>
+            </a:r>
+            <a:r>
+              <a:rPr lang="en-US" sz="1100" b="0" dirty="0">
+                <a:solidFill>
+                  <a:srgbClr val="569CD6"/>
+                </a:solidFill>
+                <a:effectLst/>
+                <a:latin typeface="Consolas" panose="020B0609020204030204" pitchFamily="49" charset="0"/>
+              </a:rPr>
+              <a:t>BLOCK_HEIGHT</a:t>
+            </a:r>
+            <a:r>
+              <a:rPr lang="en-US" sz="1100" b="0" dirty="0">
+                <a:solidFill>
+                  <a:srgbClr val="D4D4D4"/>
+                </a:solidFill>
+                <a:effectLst/>
+                <a:latin typeface="Consolas" panose="020B0609020204030204" pitchFamily="49" charset="0"/>
+              </a:rPr>
+              <a:t>;</a:t>
+            </a:r>
+          </a:p>
+          <a:p>
+            <a:r>
+              <a:rPr lang="en-US" sz="1100" b="0" dirty="0">
+                <a:solidFill>
+                  <a:srgbClr val="D4D4D4"/>
+                </a:solidFill>
+                <a:effectLst/>
+                <a:latin typeface="Consolas" panose="020B0609020204030204" pitchFamily="49" charset="0"/>
+              </a:rPr>
+              <a:t>  </a:t>
+            </a:r>
+            <a:r>
+              <a:rPr lang="en-US" sz="1100" b="0" dirty="0">
+                <a:solidFill>
+                  <a:srgbClr val="4EC9B0"/>
+                </a:solidFill>
+                <a:effectLst/>
+                <a:latin typeface="Consolas" panose="020B0609020204030204" pitchFamily="49" charset="0"/>
+              </a:rPr>
+              <a:t>dim3</a:t>
+            </a:r>
+            <a:r>
+              <a:rPr lang="en-US" sz="1100" b="0" dirty="0">
+                <a:solidFill>
+                  <a:srgbClr val="D4D4D4"/>
+                </a:solidFill>
+                <a:effectLst/>
+                <a:latin typeface="Consolas" panose="020B0609020204030204" pitchFamily="49" charset="0"/>
+              </a:rPr>
+              <a:t> </a:t>
+            </a:r>
+            <a:r>
+              <a:rPr lang="en-US" sz="1100" b="0" dirty="0" err="1">
+                <a:solidFill>
+                  <a:srgbClr val="9CDCFE"/>
+                </a:solidFill>
+                <a:effectLst/>
+                <a:latin typeface="Consolas" panose="020B0609020204030204" pitchFamily="49" charset="0"/>
+              </a:rPr>
+              <a:t>block_dim</a:t>
+            </a:r>
+            <a:r>
+              <a:rPr lang="en-US" sz="1100" b="0" dirty="0">
+                <a:solidFill>
+                  <a:srgbClr val="D4D4D4"/>
+                </a:solidFill>
+                <a:effectLst/>
+                <a:latin typeface="Consolas" panose="020B0609020204030204" pitchFamily="49" charset="0"/>
+              </a:rPr>
+              <a:t>(</a:t>
+            </a:r>
+            <a:r>
+              <a:rPr lang="en-US" sz="1100" b="0" dirty="0">
+                <a:solidFill>
+                  <a:srgbClr val="569CD6"/>
+                </a:solidFill>
+                <a:effectLst/>
+                <a:latin typeface="Consolas" panose="020B0609020204030204" pitchFamily="49" charset="0"/>
+              </a:rPr>
               <a:t>BLOCK_WIDTH</a:t>
             </a:r>
             <a:r>
@@ -25936,27 +25521,7 @@
                 <a:effectLst/>
                 <a:latin typeface="Consolas" panose="020B0609020204030204" pitchFamily="49" charset="0"/>
               </a:rPr>
-              <a:t> - </a:t>
-            </a:r>
-            <a:r>
-              <a:rPr lang="en-US" sz="1100" b="0" dirty="0">
-                <a:solidFill>
-                  <a:srgbClr val="B5CEA8"/>
-                </a:solidFill>
-                <a:effectLst/>
-                <a:latin typeface="Consolas" panose="020B0609020204030204" pitchFamily="49" charset="0"/>
-              </a:rPr>
-              <a:t>1</a:t>
-            </a:r>
-            <a:r>
-              <a:rPr lang="en-US" sz="1100" b="0" dirty="0">
-                <a:solidFill>
-                  <a:srgbClr val="D4D4D4"/>
-                </a:solidFill>
-                <a:effectLst/>
-                <a:latin typeface="Consolas" panose="020B0609020204030204" pitchFamily="49" charset="0"/>
-              </a:rPr>
-              <a:t>) / </a:t>
+              <a:t>, </a:t>
             </a:r>
             <a:r>
               <a:rPr lang="en-US" sz="1100" b="0" dirty="0">
@@ -25966,99 +25531,7 @@
                 <a:effectLst/>
                 <a:latin typeface="Consolas" panose="020B0609020204030204" pitchFamily="49" charset="0"/>
               </a:rPr>
-              <a:t>BLOCK_WIDTH</a:t>
-            </a:r>
-            <a:r>
-              <a:rPr lang="en-US" sz="1100" b="0" dirty="0">
-                <a:solidFill>
-                  <a:srgbClr val="D4D4D4"/>
-                </a:solidFill>
-                <a:effectLst/>
-                <a:latin typeface="Consolas" panose="020B0609020204030204" pitchFamily="49" charset="0"/>
-              </a:rPr>
-              <a:t>;</a:t>
-            </a:r>
-          </a:p>
-          <a:p>
-            <a:r>
-              <a:rPr lang="en-US" sz="1100" b="0" dirty="0">
-                <a:solidFill>
-                  <a:srgbClr val="D4D4D4"/>
-                </a:solidFill>
-                <a:effectLst/>
-                <a:latin typeface="Consolas" panose="020B0609020204030204" pitchFamily="49" charset="0"/>
-              </a:rPr>
-              <a:t>  </a:t>
-            </a:r>
-            <a:r>
-              <a:rPr lang="en-US" sz="1100" b="0" dirty="0">
-                <a:solidFill>
-                  <a:srgbClr val="4EC9B0"/>
-                </a:solidFill>
-                <a:effectLst/>
-                <a:latin typeface="Consolas" panose="020B0609020204030204" pitchFamily="49" charset="0"/>
-              </a:rPr>
-              <a:t>dim3</a:t>
-            </a:r>
-            <a:r>
-              <a:rPr lang="en-US" sz="1100" b="0" dirty="0">
-                <a:solidFill>
-                  <a:srgbClr val="D4D4D4"/>
-                </a:solidFill>
-                <a:effectLst/>
-                <a:latin typeface="Consolas" panose="020B0609020204030204" pitchFamily="49" charset="0"/>
-              </a:rPr>
-              <a:t> </a:t>
-            </a:r>
-            <a:r>
-              <a:rPr lang="en-US" sz="1100" b="0" dirty="0" err="1">
-                <a:solidFill>
-                  <a:srgbClr val="9CDCFE"/>
-                </a:solidFill>
-                <a:effectLst/>
-                <a:latin typeface="Consolas" panose="020B0609020204030204" pitchFamily="49" charset="0"/>
-              </a:rPr>
-              <a:t>block_dim</a:t>
-            </a:r>
-            <a:r>
-              <a:rPr lang="en-US" sz="1100" b="0" dirty="0">
-                <a:solidFill>
-                  <a:srgbClr val="D4D4D4"/>
-                </a:solidFill>
-                <a:effectLst/>
-                <a:latin typeface="Consolas" panose="020B0609020204030204" pitchFamily="49" charset="0"/>
-              </a:rPr>
-              <a:t>(</a:t>
-            </a:r>
-            <a:r>
-              <a:rPr lang="en-US" sz="1100" b="0" dirty="0">
-                <a:solidFill>
-                  <a:srgbClr val="569CD6"/>
-                </a:solidFill>
-                <a:effectLst/>
-                <a:latin typeface="Consolas" panose="020B0609020204030204" pitchFamily="49" charset="0"/>
-              </a:rPr>
-              <a:t>BLOCK_WIDTH</a:t>
-            </a:r>
-            <a:r>
-              <a:rPr lang="en-US" sz="1100" b="0" dirty="0">
-                <a:solidFill>
-                  <a:srgbClr val="D4D4D4"/>
-                </a:solidFill>
-                <a:effectLst/>
-                <a:latin typeface="Consolas" panose="020B0609020204030204" pitchFamily="49" charset="0"/>
-              </a:rPr>
-              <a:t>, </a:t>
-            </a:r>
-            <a:r>
-              <a:rPr lang="en-US" sz="1100" b="0" dirty="0">
-                <a:solidFill>
-                  <a:srgbClr val="569CD6"/>
-                </a:solidFill>
-                <a:effectLst/>
-                <a:latin typeface="Consolas" panose="020B0609020204030204" pitchFamily="49" charset="0"/>
-              </a:rPr>
-              <a:t>BLOCK_WIDTH</a:t>
+              <a:t>BLOCK_HEIGHT</a:t>
             </a:r>
             <a:r>
               <a:rPr lang="en-US" sz="1100" b="0" dirty="0">
@@ -27451,82 +26924,6 @@
               </a:rPr>
               <a:t> Shift Clustering</a:t>
             </a:r>
-          </a:p>
-        </p:txBody>
-      </p:sp>
-      <p:sp>
-        <p:nvSpPr>
-          <p:cNvPr id="14" name="CasellaDiTesto 13"/>
-          <p:cNvSpPr txBox="1"/>
-          <p:nvPr/>
-        </p:nvSpPr>
-        <p:spPr>
-          <a:xfrm>
-            <a:off x="7082015" y="403482"/>
-            <a:ext cx="1621846" cy="492443"/>
-          </a:xfrm>
-          <a:prstGeom prst="rect">
-            <a:avLst/>
-          </a:prstGeom>
-          <a:noFill/>
-        </p:spPr>
-        <p:txBody>
-          <a:bodyPr wrap="none" rtlCol="0">
-            <a:spAutoFit/>
-          </a:bodyPr>
-          <a:lstStyle/>
-          <a:p>
-            <a:pPr algn="r"/>
-            <a:r>
-              <a:rPr lang="it-IT" sz="800" dirty="0">
-                <a:solidFill>
-                  <a:schemeClr val="bg1"/>
-                </a:solidFill>
-                <a:latin typeface="Arial"/>
-                <a:cs typeface="Arial"/>
-              </a:rPr>
-              <a:t>Luogo e data </a:t>
-            </a:r>
-            <a:r>
-              <a:rPr lang="it-IT" sz="800" dirty="0" err="1">
-                <a:solidFill>
-                  <a:schemeClr val="bg1"/>
-                </a:solidFill>
-                <a:latin typeface="Arial"/>
-                <a:cs typeface="Arial"/>
-              </a:rPr>
-              <a:t>arial</a:t>
-            </a:r>
-            <a:r>
-              <a:rPr lang="it-IT" sz="800" dirty="0">
-                <a:solidFill>
-                  <a:schemeClr val="bg1"/>
-                </a:solidFill>
-                <a:latin typeface="Arial"/>
-                <a:cs typeface="Arial"/>
-              </a:rPr>
-              <a:t> regular 8 </a:t>
-            </a:r>
-            <a:r>
-              <a:rPr lang="it-IT" sz="800" dirty="0" err="1">
-                <a:solidFill>
-                  <a:schemeClr val="bg1"/>
-                </a:solidFill>
-                <a:latin typeface="Arial"/>
-                <a:cs typeface="Arial"/>
-              </a:rPr>
-              <a:t>pt</a:t>
-            </a:r>
-            <a:endParaRPr lang="it-IT" sz="800" dirty="0">
-              <a:solidFill>
-                <a:schemeClr val="bg1"/>
-              </a:solidFill>
-              <a:latin typeface="Arial"/>
-              <a:cs typeface="Arial"/>
-            </a:endParaRPr>
-          </a:p>
-          <a:p>
-            <a:endParaRPr lang="it-IT" dirty="0"/>
           </a:p>
         </p:txBody>
       </p:sp>

--- a/project_report/kernel_image_processing_presentation.pptx
+++ b/project_report/kernel_image_processing_presentation.pptx
@@ -421,7 +421,7 @@
             <a:fld id="{FE692227-D6DC-FD45-9507-DB2BAD58473C}" type="datetime1">
               <a:rPr lang="it-IT" smtClean="0"/>
               <a:pPr/>
-              <a:t>06/02/2023</a:t>
+              <a:t>07/02/2023</a:t>
             </a:fld>
             <a:endParaRPr lang="it-IT"/>
           </a:p>
@@ -2060,7 +2060,7 @@
             <a:fld id="{AD8BF249-6BAC-CD40-AAE9-334F110649E5}" type="datetimeFigureOut">
               <a:rPr lang="it-IT" smtClean="0"/>
               <a:pPr/>
-              <a:t>06/02/2023</a:t>
+              <a:t>07/02/2023</a:t>
             </a:fld>
             <a:endParaRPr lang="it-IT"/>
           </a:p>
@@ -2230,7 +2230,7 @@
             <a:fld id="{AD8BF249-6BAC-CD40-AAE9-334F110649E5}" type="datetimeFigureOut">
               <a:rPr lang="it-IT" smtClean="0"/>
               <a:pPr/>
-              <a:t>06/02/2023</a:t>
+              <a:t>07/02/2023</a:t>
             </a:fld>
             <a:endParaRPr lang="it-IT"/>
           </a:p>
@@ -2410,7 +2410,7 @@
             <a:fld id="{AD8BF249-6BAC-CD40-AAE9-334F110649E5}" type="datetimeFigureOut">
               <a:rPr lang="it-IT" smtClean="0"/>
               <a:pPr/>
-              <a:t>06/02/2023</a:t>
+              <a:t>07/02/2023</a:t>
             </a:fld>
             <a:endParaRPr lang="it-IT"/>
           </a:p>
@@ -2580,7 +2580,7 @@
             <a:fld id="{AD8BF249-6BAC-CD40-AAE9-334F110649E5}" type="datetimeFigureOut">
               <a:rPr lang="it-IT" smtClean="0"/>
               <a:pPr/>
-              <a:t>06/02/2023</a:t>
+              <a:t>07/02/2023</a:t>
             </a:fld>
             <a:endParaRPr lang="it-IT"/>
           </a:p>
@@ -2827,7 +2827,7 @@
             <a:fld id="{AD8BF249-6BAC-CD40-AAE9-334F110649E5}" type="datetimeFigureOut">
               <a:rPr lang="it-IT" smtClean="0"/>
               <a:pPr/>
-              <a:t>06/02/2023</a:t>
+              <a:t>07/02/2023</a:t>
             </a:fld>
             <a:endParaRPr lang="it-IT"/>
           </a:p>
@@ -3114,7 +3114,7 @@
             <a:fld id="{AD8BF249-6BAC-CD40-AAE9-334F110649E5}" type="datetimeFigureOut">
               <a:rPr lang="it-IT" smtClean="0"/>
               <a:pPr/>
-              <a:t>06/02/2023</a:t>
+              <a:t>07/02/2023</a:t>
             </a:fld>
             <a:endParaRPr lang="it-IT"/>
           </a:p>
@@ -3535,7 +3535,7 @@
             <a:fld id="{AD8BF249-6BAC-CD40-AAE9-334F110649E5}" type="datetimeFigureOut">
               <a:rPr lang="it-IT" smtClean="0"/>
               <a:pPr/>
-              <a:t>06/02/2023</a:t>
+              <a:t>07/02/2023</a:t>
             </a:fld>
             <a:endParaRPr lang="it-IT"/>
           </a:p>
@@ -3654,7 +3654,7 @@
             <a:fld id="{AD8BF249-6BAC-CD40-AAE9-334F110649E5}" type="datetimeFigureOut">
               <a:rPr lang="it-IT" smtClean="0"/>
               <a:pPr/>
-              <a:t>06/02/2023</a:t>
+              <a:t>07/02/2023</a:t>
             </a:fld>
             <a:endParaRPr lang="it-IT"/>
           </a:p>
@@ -3751,7 +3751,7 @@
             <a:fld id="{AD8BF249-6BAC-CD40-AAE9-334F110649E5}" type="datetimeFigureOut">
               <a:rPr lang="it-IT" smtClean="0"/>
               <a:pPr/>
-              <a:t>06/02/2023</a:t>
+              <a:t>07/02/2023</a:t>
             </a:fld>
             <a:endParaRPr lang="it-IT"/>
           </a:p>
@@ -4028,7 +4028,7 @@
             <a:fld id="{AD8BF249-6BAC-CD40-AAE9-334F110649E5}" type="datetimeFigureOut">
               <a:rPr lang="it-IT" smtClean="0"/>
               <a:pPr/>
-              <a:t>06/02/2023</a:t>
+              <a:t>07/02/2023</a:t>
             </a:fld>
             <a:endParaRPr lang="it-IT"/>
           </a:p>
@@ -4282,7 +4282,7 @@
             <a:fld id="{AD8BF249-6BAC-CD40-AAE9-334F110649E5}" type="datetimeFigureOut">
               <a:rPr lang="it-IT" smtClean="0"/>
               <a:pPr/>
-              <a:t>06/02/2023</a:t>
+              <a:t>07/02/2023</a:t>
             </a:fld>
             <a:endParaRPr lang="it-IT"/>
           </a:p>
@@ -4495,7 +4495,7 @@
             <a:fld id="{AD8BF249-6BAC-CD40-AAE9-334F110649E5}" type="datetimeFigureOut">
               <a:rPr lang="it-IT" smtClean="0"/>
               <a:pPr/>
-              <a:t>06/02/2023</a:t>
+              <a:t>07/02/2023</a:t>
             </a:fld>
             <a:endParaRPr lang="it-IT"/>
           </a:p>
@@ -13686,7 +13686,7 @@
         <p:spPr>
           <a:xfrm>
             <a:off x="623631" y="2131576"/>
-            <a:ext cx="3260069" cy="2585323"/>
+            <a:ext cx="3260069" cy="2031325"/>
           </a:xfrm>
           <a:prstGeom prst="rect">
             <a:avLst/>
@@ -13705,7 +13705,7 @@
             </a:pPr>
             <a:r>
               <a:rPr lang="it-IT" dirty="0" err="1"/>
-              <a:t>Now</a:t>
+              <a:t>Shared</a:t>
             </a:r>
             <a:r>
               <a:rPr lang="it-IT" dirty="0"/>
@@ -13713,7 +13713,7 @@
             </a:r>
             <a:r>
               <a:rPr lang="it-IT" dirty="0" err="1"/>
-              <a:t>shared</a:t>
+              <a:t>memory</a:t>
             </a:r>
             <a:r>
               <a:rPr lang="it-IT" dirty="0"/>
@@ -13721,27 +13721,11 @@
             </a:r>
             <a:r>
               <a:rPr lang="it-IT" dirty="0" err="1"/>
-              <a:t>memory</a:t>
+              <a:t>gets</a:t>
             </a:r>
             <a:r>
               <a:rPr lang="it-IT" dirty="0"/>
-              <a:t> </a:t>
-            </a:r>
-            <a:r>
-              <a:rPr lang="it-IT" dirty="0" err="1"/>
-              <a:t>gets</a:t>
-            </a:r>
-            <a:r>
-              <a:rPr lang="it-IT" dirty="0"/>
-              <a:t> the </a:t>
-            </a:r>
-            <a:r>
-              <a:rPr lang="it-IT" dirty="0" err="1"/>
-              <a:t>worst</a:t>
-            </a:r>
-            <a:r>
-              <a:rPr lang="it-IT" dirty="0"/>
-              <a:t> </a:t>
+              <a:t> the best </a:t>
             </a:r>
             <a:r>
               <a:rPr lang="it-IT" dirty="0" err="1"/>
@@ -13749,23 +13733,7 @@
             </a:r>
             <a:r>
               <a:rPr lang="it-IT" dirty="0"/>
-              <a:t> in general due to the </a:t>
-            </a:r>
-            <a:r>
-              <a:rPr lang="it-IT" dirty="0" err="1"/>
-              <a:t>dynamic</a:t>
-            </a:r>
-            <a:r>
-              <a:rPr lang="it-IT" dirty="0"/>
-              <a:t> </a:t>
-            </a:r>
-            <a:r>
-              <a:rPr lang="it-IT" dirty="0" err="1"/>
-              <a:t>allocation</a:t>
-            </a:r>
-            <a:r>
-              <a:rPr lang="it-IT" dirty="0"/>
-              <a:t> </a:t>
+              <a:t> in general </a:t>
             </a:r>
           </a:p>
           <a:p>
@@ -13775,11 +13743,11 @@
             </a:pPr>
             <a:r>
               <a:rPr lang="it-IT" dirty="0"/>
-              <a:t>Constant </a:t>
+              <a:t>The </a:t>
             </a:r>
             <a:r>
               <a:rPr lang="it-IT" dirty="0" err="1"/>
-              <a:t>memory</a:t>
+              <a:t>difference</a:t>
             </a:r>
             <a:r>
               <a:rPr lang="it-IT" dirty="0"/>
@@ -13787,15 +13755,7 @@
             </a:r>
             <a:r>
               <a:rPr lang="it-IT" dirty="0" err="1"/>
-              <a:t>has</a:t>
-            </a:r>
-            <a:r>
-              <a:rPr lang="it-IT" dirty="0"/>
-              <a:t> the best performance in </a:t>
-            </a:r>
-            <a:r>
-              <a:rPr lang="it-IT" dirty="0" err="1"/>
-              <a:t>most</a:t>
+              <a:t>between</a:t>
             </a:r>
             <a:r>
               <a:rPr lang="it-IT" dirty="0"/>
@@ -13803,9 +13763,36 @@
             </a:r>
             <a:r>
               <a:rPr lang="it-IT" dirty="0" err="1"/>
-              <a:t>cases</a:t>
-            </a:r>
-            <a:endParaRPr lang="it-IT" dirty="0"/>
+              <a:t>all</a:t>
+            </a:r>
+            <a:r>
+              <a:rPr lang="it-IT" dirty="0"/>
+              <a:t> </a:t>
+            </a:r>
+            <a:r>
+              <a:rPr lang="it-IT" dirty="0" err="1"/>
+              <a:t>versions</a:t>
+            </a:r>
+            <a:r>
+              <a:rPr lang="it-IT" dirty="0"/>
+              <a:t> </a:t>
+            </a:r>
+            <a:r>
+              <a:rPr lang="it-IT" dirty="0" err="1"/>
+              <a:t>is</a:t>
+            </a:r>
+            <a:r>
+              <a:rPr lang="it-IT" dirty="0"/>
+              <a:t> </a:t>
+            </a:r>
+            <a:r>
+              <a:rPr lang="it-IT" dirty="0" err="1"/>
+              <a:t>quite</a:t>
+            </a:r>
+            <a:r>
+              <a:rPr lang="it-IT" dirty="0"/>
+              <a:t> small</a:t>
+            </a:r>
           </a:p>
           <a:p>
             <a:pPr marL="285750" indent="-285750" algn="l">
@@ -14250,7 +14237,7 @@
             </a:r>
             <a:r>
               <a:rPr lang="it-IT" dirty="0"/>
-              <a:t> 3.9 and 6.7</a:t>
+              <a:t> 1.9 and 7.5</a:t>
             </a:r>
           </a:p>
           <a:p>

--- a/project_report/kernel_image_processing_presentation.pptx
+++ b/project_report/kernel_image_processing_presentation.pptx
@@ -253,7 +253,7 @@
             <a:fld id="{45BF3CCC-77DD-F84F-A249-CA3C5045A043}" type="datetime1">
               <a:rPr lang="it-IT" smtClean="0"/>
               <a:pPr/>
-              <a:t>07/02/2023</a:t>
+              <a:t>08/02/2023</a:t>
             </a:fld>
             <a:endParaRPr lang="it-IT"/>
           </a:p>
@@ -421,7 +421,7 @@
             <a:fld id="{FE692227-D6DC-FD45-9507-DB2BAD58473C}" type="datetime1">
               <a:rPr lang="it-IT" smtClean="0"/>
               <a:pPr/>
-              <a:t>07/02/2023</a:t>
+              <a:t>08/02/2023</a:t>
             </a:fld>
             <a:endParaRPr lang="it-IT"/>
           </a:p>
@@ -2060,7 +2060,7 @@
             <a:fld id="{AD8BF249-6BAC-CD40-AAE9-334F110649E5}" type="datetimeFigureOut">
               <a:rPr lang="it-IT" smtClean="0"/>
               <a:pPr/>
-              <a:t>07/02/2023</a:t>
+              <a:t>08/02/2023</a:t>
             </a:fld>
             <a:endParaRPr lang="it-IT"/>
           </a:p>
@@ -2230,7 +2230,7 @@
             <a:fld id="{AD8BF249-6BAC-CD40-AAE9-334F110649E5}" type="datetimeFigureOut">
               <a:rPr lang="it-IT" smtClean="0"/>
               <a:pPr/>
-              <a:t>07/02/2023</a:t>
+              <a:t>08/02/2023</a:t>
             </a:fld>
             <a:endParaRPr lang="it-IT"/>
           </a:p>
@@ -2410,7 +2410,7 @@
             <a:fld id="{AD8BF249-6BAC-CD40-AAE9-334F110649E5}" type="datetimeFigureOut">
               <a:rPr lang="it-IT" smtClean="0"/>
               <a:pPr/>
-              <a:t>07/02/2023</a:t>
+              <a:t>08/02/2023</a:t>
             </a:fld>
             <a:endParaRPr lang="it-IT"/>
           </a:p>
@@ -2580,7 +2580,7 @@
             <a:fld id="{AD8BF249-6BAC-CD40-AAE9-334F110649E5}" type="datetimeFigureOut">
               <a:rPr lang="it-IT" smtClean="0"/>
               <a:pPr/>
-              <a:t>07/02/2023</a:t>
+              <a:t>08/02/2023</a:t>
             </a:fld>
             <a:endParaRPr lang="it-IT"/>
           </a:p>
@@ -2827,7 +2827,7 @@
             <a:fld id="{AD8BF249-6BAC-CD40-AAE9-334F110649E5}" type="datetimeFigureOut">
               <a:rPr lang="it-IT" smtClean="0"/>
               <a:pPr/>
-              <a:t>07/02/2023</a:t>
+              <a:t>08/02/2023</a:t>
             </a:fld>
             <a:endParaRPr lang="it-IT"/>
           </a:p>
@@ -3114,7 +3114,7 @@
             <a:fld id="{AD8BF249-6BAC-CD40-AAE9-334F110649E5}" type="datetimeFigureOut">
               <a:rPr lang="it-IT" smtClean="0"/>
               <a:pPr/>
-              <a:t>07/02/2023</a:t>
+              <a:t>08/02/2023</a:t>
             </a:fld>
             <a:endParaRPr lang="it-IT"/>
           </a:p>
@@ -3535,7 +3535,7 @@
             <a:fld id="{AD8BF249-6BAC-CD40-AAE9-334F110649E5}" type="datetimeFigureOut">
               <a:rPr lang="it-IT" smtClean="0"/>
               <a:pPr/>
-              <a:t>07/02/2023</a:t>
+              <a:t>08/02/2023</a:t>
             </a:fld>
             <a:endParaRPr lang="it-IT"/>
           </a:p>
@@ -3654,7 +3654,7 @@
             <a:fld id="{AD8BF249-6BAC-CD40-AAE9-334F110649E5}" type="datetimeFigureOut">
               <a:rPr lang="it-IT" smtClean="0"/>
               <a:pPr/>
-              <a:t>07/02/2023</a:t>
+              <a:t>08/02/2023</a:t>
             </a:fld>
             <a:endParaRPr lang="it-IT"/>
           </a:p>
@@ -3751,7 +3751,7 @@
             <a:fld id="{AD8BF249-6BAC-CD40-AAE9-334F110649E5}" type="datetimeFigureOut">
               <a:rPr lang="it-IT" smtClean="0"/>
               <a:pPr/>
-              <a:t>07/02/2023</a:t>
+              <a:t>08/02/2023</a:t>
             </a:fld>
             <a:endParaRPr lang="it-IT"/>
           </a:p>
@@ -4028,7 +4028,7 @@
             <a:fld id="{AD8BF249-6BAC-CD40-AAE9-334F110649E5}" type="datetimeFigureOut">
               <a:rPr lang="it-IT" smtClean="0"/>
               <a:pPr/>
-              <a:t>07/02/2023</a:t>
+              <a:t>08/02/2023</a:t>
             </a:fld>
             <a:endParaRPr lang="it-IT"/>
           </a:p>
@@ -4282,7 +4282,7 @@
             <a:fld id="{AD8BF249-6BAC-CD40-AAE9-334F110649E5}" type="datetimeFigureOut">
               <a:rPr lang="it-IT" smtClean="0"/>
               <a:pPr/>
-              <a:t>07/02/2023</a:t>
+              <a:t>08/02/2023</a:t>
             </a:fld>
             <a:endParaRPr lang="it-IT"/>
           </a:p>
@@ -4495,7 +4495,7 @@
             <a:fld id="{AD8BF249-6BAC-CD40-AAE9-334F110649E5}" type="datetimeFigureOut">
               <a:rPr lang="it-IT" smtClean="0"/>
               <a:pPr/>
-              <a:t>07/02/2023</a:t>
+              <a:t>08/02/2023</a:t>
             </a:fld>
             <a:endParaRPr lang="it-IT"/>
           </a:p>
@@ -5177,7 +5177,7 @@
         <p:spPr>
           <a:xfrm>
             <a:off x="648253" y="1352511"/>
-            <a:ext cx="2906565" cy="461665"/>
+            <a:ext cx="3025187" cy="830997"/>
           </a:xfrm>
           <a:prstGeom prst="rect">
             <a:avLst/>
@@ -5211,6 +5211,19 @@
               </a:rPr>
               <a:t> </a:t>
             </a:r>
+            <a:r>
+              <a:rPr lang="it-IT" sz="2400" dirty="0" err="1">
+                <a:latin typeface="Arial"/>
+                <a:cs typeface="Arial"/>
+              </a:rPr>
+              <a:t>memory</a:t>
+            </a:r>
+            <a:endParaRPr lang="it-IT" sz="2400" dirty="0">
+              <a:latin typeface="Arial"/>
+              <a:cs typeface="Arial"/>
+            </a:endParaRPr>
+          </a:p>
+          <a:p>
             <a:r>
               <a:rPr lang="it-IT" sz="2400" dirty="0" err="1">
                 <a:latin typeface="Arial"/>
@@ -5371,7 +5384,7 @@
         </p:nvSpPr>
         <p:spPr>
           <a:xfrm>
-            <a:off x="623631" y="1998842"/>
+            <a:off x="623631" y="2116827"/>
             <a:ext cx="3260069" cy="2862322"/>
           </a:xfrm>
           <a:prstGeom prst="rect">
@@ -11497,7 +11510,7 @@
         <p:spPr>
           <a:xfrm>
             <a:off x="3878823" y="1486241"/>
-            <a:ext cx="5265177" cy="2800767"/>
+            <a:ext cx="5265177" cy="2970044"/>
           </a:xfrm>
           <a:prstGeom prst="rect">
             <a:avLst/>
@@ -11521,6 +11534,67 @@
                 <a:latin typeface="Consolas" panose="020B0609020204030204" pitchFamily="49" charset="0"/>
               </a:rPr>
               <a:t>  ………</a:t>
+            </a:r>
+          </a:p>
+          <a:p>
+            <a:r>
+              <a:rPr lang="en-US" sz="1100" b="0" dirty="0">
+                <a:solidFill>
+                  <a:srgbClr val="569CD6"/>
+                </a:solidFill>
+                <a:effectLst/>
+                <a:latin typeface="Consolas" panose="020B0609020204030204" pitchFamily="49" charset="0"/>
+              </a:rPr>
+              <a:t>  float</a:t>
+            </a:r>
+            <a:r>
+              <a:rPr lang="en-US" sz="1100" b="0" dirty="0">
+                <a:solidFill>
+                  <a:srgbClr val="D4D4D4"/>
+                </a:solidFill>
+                <a:effectLst/>
+                <a:latin typeface="Consolas" panose="020B0609020204030204" pitchFamily="49" charset="0"/>
+              </a:rPr>
+              <a:t> </a:t>
+            </a:r>
+            <a:r>
+              <a:rPr lang="en-US" sz="1100" dirty="0">
+                <a:solidFill>
+                  <a:srgbClr val="9CDCFE"/>
+                </a:solidFill>
+                <a:latin typeface="Consolas" panose="020B0609020204030204" pitchFamily="49" charset="0"/>
+              </a:rPr>
+              <a:t>sum</a:t>
+            </a:r>
+            <a:r>
+              <a:rPr lang="en-US" sz="1100" b="0" dirty="0">
+                <a:solidFill>
+                  <a:srgbClr val="D4D4D4"/>
+                </a:solidFill>
+                <a:effectLst/>
+                <a:latin typeface="Consolas" panose="020B0609020204030204" pitchFamily="49" charset="0"/>
+              </a:rPr>
+              <a:t> = </a:t>
+            </a:r>
+            <a:r>
+              <a:rPr lang="en-US" sz="1100" b="0" dirty="0">
+                <a:solidFill>
+                  <a:srgbClr val="B5CEA8"/>
+                </a:solidFill>
+                <a:effectLst/>
+                <a:latin typeface="Consolas" panose="020B0609020204030204" pitchFamily="49" charset="0"/>
+              </a:rPr>
+              <a:t>0.0f</a:t>
+            </a:r>
+            <a:r>
+              <a:rPr lang="en-US" sz="1100" b="0" dirty="0">
+                <a:solidFill>
+                  <a:srgbClr val="D4D4D4"/>
+                </a:solidFill>
+                <a:effectLst/>
+                <a:latin typeface="Consolas" panose="020B0609020204030204" pitchFamily="49" charset="0"/>
+              </a:rPr>
+              <a:t>;</a:t>
             </a:r>
           </a:p>
           <a:p>
@@ -14219,7 +14293,7 @@
             </a:r>
             <a:r>
               <a:rPr lang="it-IT" dirty="0"/>
-              <a:t> 250 and 7449</a:t>
+              <a:t> 249 and 7449</a:t>
             </a:r>
           </a:p>
           <a:p>
@@ -14237,7 +14311,7 @@
             </a:r>
             <a:r>
               <a:rPr lang="it-IT" dirty="0"/>
-              <a:t> 1.9 and 7.5</a:t>
+              <a:t> 1.5 and 7.5</a:t>
             </a:r>
           </a:p>
           <a:p>
@@ -24557,47 +24631,7 @@
                 <a:effectLst/>
                 <a:latin typeface="Consolas" panose="020B0609020204030204" pitchFamily="49" charset="0"/>
               </a:rPr>
-              <a:t>shared_constant</a:t>
-            </a:r>
-            <a:r>
-              <a:rPr lang="en-US" sz="1100" b="0" dirty="0">
-                <a:solidFill>
-                  <a:srgbClr val="D4D4D4"/>
-                </a:solidFill>
-                <a:effectLst/>
-                <a:latin typeface="Consolas" panose="020B0609020204030204" pitchFamily="49" charset="0"/>
-              </a:rPr>
-              <a:t> || </a:t>
-            </a:r>
-            <a:r>
-              <a:rPr lang="en-US" sz="1100" b="0" dirty="0" err="1">
-                <a:solidFill>
-                  <a:srgbClr val="9CDCFE"/>
-                </a:solidFill>
-                <a:effectLst/>
-                <a:latin typeface="Consolas" panose="020B0609020204030204" pitchFamily="49" charset="0"/>
-              </a:rPr>
-              <a:t>type_mem</a:t>
-            </a:r>
-            <a:r>
-              <a:rPr lang="en-US" sz="1100" b="0" dirty="0">
-                <a:solidFill>
-                  <a:srgbClr val="D4D4D4"/>
-                </a:solidFill>
-                <a:effectLst/>
-                <a:latin typeface="Consolas" panose="020B0609020204030204" pitchFamily="49" charset="0"/>
-              </a:rPr>
-              <a:t> == </a:t>
-            </a:r>
-            <a:r>
-              <a:rPr lang="en-US" sz="1100" b="0" dirty="0">
-                <a:solidFill>
-                  <a:srgbClr val="4FC1FF"/>
-                </a:solidFill>
-                <a:effectLst/>
-                <a:latin typeface="Consolas" panose="020B0609020204030204" pitchFamily="49" charset="0"/>
-              </a:rPr>
-              <a:t>global</a:t>
+              <a:t>global_memory</a:t>
             </a:r>
             <a:r>
               <a:rPr lang="en-US" sz="1100" b="0" dirty="0">
@@ -25814,7 +25848,7 @@
               <a:t>, </a:t>
             </a:r>
             <a:r>
-              <a:rPr lang="en-US" sz="1100" b="0" dirty="0">
+              <a:rPr lang="en-US" sz="1100" b="0" i="1" dirty="0">
                 <a:solidFill>
                   <a:srgbClr val="9CDCFE"/>
                 </a:solidFill>
@@ -25834,7 +25868,7 @@
               <a:t>, </a:t>
             </a:r>
             <a:r>
-              <a:rPr lang="en-US" sz="1100" b="0" dirty="0">
+              <a:rPr lang="en-US" sz="1100" b="0" i="1" dirty="0">
                 <a:solidFill>
                   <a:srgbClr val="9CDCFE"/>
                 </a:solidFill>
